--- a/OpencvFInal/Opencv.pptx
+++ b/OpencvFInal/Opencv.pptx
@@ -9880,6 +9880,34 @@
           </a:p>
         </p:txBody>
       </p:sp>
+      <p:pic>
+        <p:nvPicPr>
+          <p:cNvPr id="2" name="图片 1" descr="opencv_final.drawio"/>
+          <p:cNvPicPr>
+            <a:picLocks noChangeAspect="1"/>
+          </p:cNvPicPr>
+          <p:nvPr>
+            <p:custDataLst>
+              <p:tags r:id="rId1"/>
+            </p:custDataLst>
+          </p:nvPr>
+        </p:nvPicPr>
+        <p:blipFill>
+          <a:blip r:embed="rId2"/>
+          <a:stretch>
+            <a:fillRect/>
+          </a:stretch>
+        </p:blipFill>
+        <p:spPr>
+          <a:xfrm>
+            <a:off x="503555" y="913130"/>
+            <a:ext cx="7439025" cy="5944870"/>
+          </a:xfrm>
+          <a:prstGeom prst="rect">
+            <a:avLst/>
+          </a:prstGeom>
+        </p:spPr>
+      </p:pic>
     </p:spTree>
   </p:cSld>
   <p:clrMapOvr>
@@ -10479,14 +10507,20 @@
 
 <file path=ppt/tags/tag19.xml><?xml version="1.0" encoding="utf-8"?>
 <p:tagLst xmlns:p="http://schemas.openxmlformats.org/presentationml/2006/main">
-  <p:tag name="KSO_WPP_MARK_KEY" val="e590d23f-e0e7-4113-a92f-e1ed243c22b0"/>
-  <p:tag name="COMMONDATA" val="eyJoZGlkIjoiMjkzODA0ZGU1ZjI3NmViMTIyNjVjMTVhMTI2MjhhMjAifQ=="/>
+  <p:tag name="KSO_WM_BEAUTIFY_FLAG" val=""/>
 </p:tagLst>
 </file>
 
 <file path=ppt/tags/tag2.xml><?xml version="1.0" encoding="utf-8"?>
 <p:tagLst xmlns:p="http://schemas.openxmlformats.org/presentationml/2006/main">
   <p:tag name="KSO_WM_BEAUTIFY_FLAG" val=""/>
+</p:tagLst>
+</file>
+
+<file path=ppt/tags/tag20.xml><?xml version="1.0" encoding="utf-8"?>
+<p:tagLst xmlns:p="http://schemas.openxmlformats.org/presentationml/2006/main">
+  <p:tag name="KSO_WPP_MARK_KEY" val="e590d23f-e0e7-4113-a92f-e1ed243c22b0"/>
+  <p:tag name="COMMONDATA" val="eyJoZGlkIjoiMjkzODA0ZGU1ZjI3NmViMTIyNjVjMTVhMTI2MjhhMjAifQ=="/>
 </p:tagLst>
 </file>
 
@@ -10498,7 +10532,7 @@
 
 <file path=ppt/tags/tag4.xml><?xml version="1.0" encoding="utf-8"?>
 <p:tagLst xmlns:p="http://schemas.openxmlformats.org/presentationml/2006/main">
-  <p:tag name="KSO_WM_BEAUTIFY_FLAG" val=""/>
+  <p:tag name="KSO_WM_UNIT_PLACING_PICTURE_USER_VIEWPORT" val="{&quot;height&quot;:10800,&quot;width&quot;:13514}"/>
 </p:tagLst>
 </file>
 

--- a/OpencvFInal/Opencv.pptx
+++ b/OpencvFInal/Opencv.pptx
@@ -18,12 +18,13 @@
     <p:sldId id="278" r:id="rId13"/>
     <p:sldId id="279" r:id="rId14"/>
     <p:sldId id="280" r:id="rId15"/>
-    <p:sldId id="261" r:id="rId16"/>
+    <p:sldId id="282" r:id="rId16"/>
+    <p:sldId id="261" r:id="rId17"/>
   </p:sldIdLst>
   <p:sldSz cx="12192000" cy="6858000"/>
   <p:notesSz cx="6858000" cy="9144000"/>
   <p:custDataLst>
-    <p:tags r:id="rId20"/>
+    <p:tags r:id="rId21"/>
   </p:custDataLst>
   <p:defaultTextStyle>
     <a:defPPr>
@@ -3289,6 +3290,274 @@
       </p:grpSpPr>
       <p:sp>
         <p:nvSpPr>
+          <p:cNvPr id="4" name="稻壳儿原创设计师【幻雨工作室】_1"/>
+          <p:cNvSpPr txBox="1"/>
+          <p:nvPr/>
+        </p:nvSpPr>
+        <p:spPr>
+          <a:xfrm>
+            <a:off x="1252855" y="509905"/>
+            <a:ext cx="7688580" cy="521970"/>
+          </a:xfrm>
+          <a:prstGeom prst="rect">
+            <a:avLst/>
+          </a:prstGeom>
+          <a:noFill/>
+        </p:spPr>
+        <p:txBody>
+          <a:bodyPr wrap="square" rtlCol="0">
+            <a:spAutoFit/>
+          </a:bodyPr>
+          <a:lstStyle/>
+          <a:p>
+            <a:pPr algn="l" defTabSz="685800"/>
+            <a:r>
+              <a:rPr lang="en-US" altLang="zh-CN" sz="2800" dirty="0">
+                <a:solidFill>
+                  <a:schemeClr val="accent1"/>
+                </a:solidFill>
+                <a:latin typeface="微软雅黑" panose="020B0503020204020204" pitchFamily="34" charset="-122"/>
+                <a:ea typeface="微软雅黑" panose="020B0503020204020204" pitchFamily="34" charset="-122"/>
+              </a:rPr>
+              <a:t>04.</a:t>
+            </a:r>
+            <a:r>
+              <a:rPr lang="en-US" altLang="zh-CN" sz="2800" dirty="0">
+                <a:solidFill>
+                  <a:schemeClr val="tx1">
+                    <a:lumMod val="75000"/>
+                    <a:lumOff val="25000"/>
+                  </a:schemeClr>
+                </a:solidFill>
+                <a:latin typeface="微软雅黑" panose="020B0503020204020204" pitchFamily="34" charset="-122"/>
+                <a:ea typeface="微软雅黑" panose="020B0503020204020204" pitchFamily="34" charset="-122"/>
+                <a:sym typeface="+mn-ea"/>
+              </a:rPr>
+              <a:t>FeatureDetector</a:t>
+            </a:r>
+            <a:r>
+              <a:rPr lang="zh-CN" altLang="en-US" sz="2800" dirty="0">
+                <a:solidFill>
+                  <a:schemeClr val="tx1">
+                    <a:lumMod val="75000"/>
+                    <a:lumOff val="25000"/>
+                  </a:schemeClr>
+                </a:solidFill>
+                <a:latin typeface="微软雅黑" panose="020B0503020204020204" pitchFamily="34" charset="-122"/>
+                <a:ea typeface="微软雅黑" panose="020B0503020204020204" pitchFamily="34" charset="-122"/>
+                <a:sym typeface="+mn-ea"/>
+              </a:rPr>
+              <a:t>子类</a:t>
+            </a:r>
+            <a:r>
+              <a:rPr lang="en-US" altLang="zh-CN" sz="2800" dirty="0">
+                <a:solidFill>
+                  <a:schemeClr val="tx1">
+                    <a:lumMod val="75000"/>
+                    <a:lumOff val="25000"/>
+                  </a:schemeClr>
+                </a:solidFill>
+                <a:latin typeface="微软雅黑" panose="020B0503020204020204" pitchFamily="34" charset="-122"/>
+                <a:ea typeface="微软雅黑" panose="020B0503020204020204" pitchFamily="34" charset="-122"/>
+                <a:sym typeface="+mn-ea"/>
+              </a:rPr>
+              <a:t>(</a:t>
+            </a:r>
+            <a:r>
+              <a:rPr lang="zh-CN" altLang="en-US" sz="2800" dirty="0">
+                <a:solidFill>
+                  <a:schemeClr val="tx1">
+                    <a:lumMod val="75000"/>
+                    <a:lumOff val="25000"/>
+                  </a:schemeClr>
+                </a:solidFill>
+                <a:latin typeface="微软雅黑" panose="020B0503020204020204" pitchFamily="34" charset="-122"/>
+                <a:ea typeface="微软雅黑" panose="020B0503020204020204" pitchFamily="34" charset="-122"/>
+                <a:sym typeface="+mn-ea"/>
+              </a:rPr>
+              <a:t>抽象策略</a:t>
+            </a:r>
+            <a:r>
+              <a:rPr lang="en-US" altLang="zh-CN" sz="2800" dirty="0">
+                <a:solidFill>
+                  <a:schemeClr val="tx1">
+                    <a:lumMod val="75000"/>
+                    <a:lumOff val="25000"/>
+                  </a:schemeClr>
+                </a:solidFill>
+                <a:latin typeface="微软雅黑" panose="020B0503020204020204" pitchFamily="34" charset="-122"/>
+                <a:ea typeface="微软雅黑" panose="020B0503020204020204" pitchFamily="34" charset="-122"/>
+                <a:sym typeface="+mn-ea"/>
+              </a:rPr>
+              <a:t>)</a:t>
+            </a:r>
+            <a:r>
+              <a:rPr lang="zh-CN" altLang="en-US" sz="2800" dirty="0">
+                <a:solidFill>
+                  <a:schemeClr val="tx1">
+                    <a:lumMod val="75000"/>
+                    <a:lumOff val="25000"/>
+                  </a:schemeClr>
+                </a:solidFill>
+                <a:latin typeface="微软雅黑" panose="020B0503020204020204" pitchFamily="34" charset="-122"/>
+                <a:ea typeface="微软雅黑" panose="020B0503020204020204" pitchFamily="34" charset="-122"/>
+                <a:sym typeface="+mn-ea"/>
+              </a:rPr>
+              <a:t>介绍</a:t>
+            </a:r>
+            <a:r>
+              <a:rPr lang="en-US" altLang="zh-CN" sz="1600" dirty="0">
+                <a:solidFill>
+                  <a:schemeClr val="accent1"/>
+                </a:solidFill>
+                <a:latin typeface="微软雅黑 Light" panose="020B0502040204020203" pitchFamily="34" charset="-122"/>
+                <a:ea typeface="微软雅黑 Light" panose="020B0502040204020203" pitchFamily="34" charset="-122"/>
+                <a:cs typeface="Arial" panose="020B0604020202020204" pitchFamily="34" charset="0"/>
+                <a:sym typeface="Arial" panose="020B0604020202020204" pitchFamily="34" charset="0"/>
+              </a:rPr>
+              <a:t>Part4</a:t>
+            </a:r>
+            <a:endParaRPr lang="zh-CN" altLang="en-US" sz="1600" dirty="0">
+              <a:solidFill>
+                <a:schemeClr val="accent1"/>
+              </a:solidFill>
+              <a:latin typeface="微软雅黑 Light" panose="020B0502040204020203" pitchFamily="34" charset="-122"/>
+              <a:ea typeface="微软雅黑 Light" panose="020B0502040204020203" pitchFamily="34" charset="-122"/>
+              <a:cs typeface="Arial" panose="020B0604020202020204" pitchFamily="34" charset="0"/>
+              <a:sym typeface="Arial" panose="020B0604020202020204" pitchFamily="34" charset="0"/>
+            </a:endParaRPr>
+          </a:p>
+        </p:txBody>
+      </p:sp>
+      <p:sp>
+        <p:nvSpPr>
+          <p:cNvPr id="2" name="稻壳儿原创设计师【幻雨工作室】_12"/>
+          <p:cNvSpPr/>
+          <p:nvPr>
+            <p:custDataLst>
+              <p:tags r:id="rId1"/>
+            </p:custDataLst>
+          </p:nvPr>
+        </p:nvSpPr>
+        <p:spPr>
+          <a:xfrm>
+            <a:off x="977265" y="1031875"/>
+            <a:ext cx="2448560" cy="460375"/>
+          </a:xfrm>
+          <a:prstGeom prst="rect">
+            <a:avLst/>
+          </a:prstGeom>
+        </p:spPr>
+        <p:txBody>
+          <a:bodyPr wrap="square">
+            <a:spAutoFit/>
+          </a:bodyPr>
+          <a:p>
+            <a:pPr algn="ctr"/>
+            <a:r>
+              <a:rPr lang="en-US" altLang="zh-CN" sz="2400" dirty="0">
+                <a:solidFill>
+                  <a:schemeClr val="accent1"/>
+                </a:solidFill>
+                <a:latin typeface="Arial" panose="020B0604020202020204" pitchFamily="34" charset="0"/>
+                <a:cs typeface="Arial" panose="020B0604020202020204" pitchFamily="34" charset="0"/>
+              </a:rPr>
+              <a:t>SimpleBlob</a:t>
+            </a:r>
+            <a:endParaRPr lang="en-US" altLang="zh-CN" sz="2400" dirty="0">
+              <a:solidFill>
+                <a:schemeClr val="accent1"/>
+              </a:solidFill>
+              <a:latin typeface="Arial" panose="020B0604020202020204" pitchFamily="34" charset="0"/>
+              <a:cs typeface="Arial" panose="020B0604020202020204" pitchFamily="34" charset="0"/>
+            </a:endParaRPr>
+          </a:p>
+        </p:txBody>
+      </p:sp>
+      <p:sp>
+        <p:nvSpPr>
+          <p:cNvPr id="8" name="文本框 7"/>
+          <p:cNvSpPr txBox="1"/>
+          <p:nvPr/>
+        </p:nvSpPr>
+        <p:spPr>
+          <a:xfrm>
+            <a:off x="8556625" y="1834515"/>
+            <a:ext cx="3578860" cy="3820795"/>
+          </a:xfrm>
+          <a:prstGeom prst="rect">
+            <a:avLst/>
+          </a:prstGeom>
+          <a:noFill/>
+        </p:spPr>
+        <p:txBody>
+          <a:bodyPr wrap="square" rtlCol="0" anchor="t">
+            <a:noAutofit/>
+          </a:bodyPr>
+          <a:p>
+            <a:r>
+              <a:rPr lang="zh-CN" altLang="en-US"/>
+              <a:t>先设置一个低阈值（minThreshold）和高阈值（maxThreshold），用每一个阈值对图像进行二值化，得到一系列图像，对于每个二值图片查照这些图像的边，计算每一个轮廓的中心，将每一个二值图片的特征点放在一起，定义最小距离，在这个距离区域内的特征中心点归为一组，对应一个bolb特征，得到点的集合。估计最后的bolb特征和相应半径，返回keypoints。</a:t>
+            </a:r>
+            <a:endParaRPr lang="zh-CN" altLang="en-US"/>
+          </a:p>
+        </p:txBody>
+      </p:sp>
+      <p:pic>
+        <p:nvPicPr>
+          <p:cNvPr id="9" name="图片 8"/>
+          <p:cNvPicPr>
+            <a:picLocks noChangeAspect="1"/>
+          </p:cNvPicPr>
+          <p:nvPr>
+            <p:custDataLst>
+              <p:tags r:id="rId2"/>
+            </p:custDataLst>
+          </p:nvPr>
+        </p:nvPicPr>
+        <p:blipFill>
+          <a:blip r:embed="rId3"/>
+          <a:stretch>
+            <a:fillRect/>
+          </a:stretch>
+        </p:blipFill>
+        <p:spPr>
+          <a:xfrm>
+            <a:off x="0" y="1388745"/>
+            <a:ext cx="8428990" cy="5290820"/>
+          </a:xfrm>
+          <a:prstGeom prst="rect">
+            <a:avLst/>
+          </a:prstGeom>
+        </p:spPr>
+      </p:pic>
+    </p:spTree>
+  </p:cSld>
+  <p:clrMapOvr>
+    <a:masterClrMapping/>
+  </p:clrMapOvr>
+</p:sld>
+</file>
+
+<file path=ppt/slides/slide15.xml><?xml version="1.0" encoding="utf-8"?>
+<p:sld xmlns:a="http://schemas.openxmlformats.org/drawingml/2006/main" xmlns:r="http://schemas.openxmlformats.org/officeDocument/2006/relationships" xmlns:p="http://schemas.openxmlformats.org/presentationml/2006/main">
+  <p:cSld>
+    <p:spTree>
+      <p:nvGrpSpPr>
+        <p:cNvPr id="1" name=""/>
+        <p:cNvGrpSpPr/>
+        <p:nvPr/>
+      </p:nvGrpSpPr>
+      <p:grpSpPr>
+        <a:xfrm>
+          <a:off x="0" y="0"/>
+          <a:ext cx="0" cy="0"/>
+          <a:chOff x="0" y="0"/>
+          <a:chExt cx="0" cy="0"/>
+        </a:xfrm>
+      </p:grpSpPr>
+      <p:sp>
+        <p:nvSpPr>
           <p:cNvPr id="2" name="稻壳儿原创设计师【幻雨工作室】_1"/>
           <p:cNvSpPr txBox="1"/>
           <p:nvPr/>
@@ -3345,75 +3614,14 @@
       </p:sp>
       <p:sp>
         <p:nvSpPr>
-          <p:cNvPr id="3" name="稻壳儿原创设计师【幻雨工作室】_2"/>
-          <p:cNvSpPr/>
-          <p:nvPr/>
-        </p:nvSpPr>
-        <p:spPr>
-          <a:xfrm>
-            <a:off x="2352179" y="3725485"/>
-            <a:ext cx="7487643" cy="400110"/>
-          </a:xfrm>
-          <a:prstGeom prst="rect">
-            <a:avLst/>
-          </a:prstGeom>
-        </p:spPr>
-        <p:txBody>
-          <a:bodyPr wrap="square">
-            <a:spAutoFit/>
-          </a:bodyPr>
-          <a:lstStyle/>
-          <a:p>
-            <a:pPr algn="ctr"/>
-            <a:r>
-              <a:rPr lang="en-US" altLang="zh-CN" sz="2000" dirty="0">
-                <a:solidFill>
-                  <a:schemeClr val="tx1">
-                    <a:lumMod val="75000"/>
-                    <a:lumOff val="25000"/>
-                  </a:schemeClr>
-                </a:solidFill>
-                <a:latin typeface="微软雅黑 Light" panose="020B0502040204020203" pitchFamily="34" charset="-122"/>
-                <a:ea typeface="微软雅黑 Light" panose="020B0502040204020203" pitchFamily="34" charset="-122"/>
-              </a:rPr>
-              <a:t>Atmospheric blue year end summary ppt </a:t>
-            </a:r>
-            <a:r>
-              <a:rPr lang="en-US" altLang="zh-CN" sz="2000" dirty="0" err="1">
-                <a:solidFill>
-                  <a:schemeClr val="tx1">
-                    <a:lumMod val="75000"/>
-                    <a:lumOff val="25000"/>
-                  </a:schemeClr>
-                </a:solidFill>
-                <a:latin typeface="微软雅黑 Light" panose="020B0502040204020203" pitchFamily="34" charset="-122"/>
-                <a:ea typeface="微软雅黑 Light" panose="020B0502040204020203" pitchFamily="34" charset="-122"/>
-              </a:rPr>
-              <a:t>templatec</a:t>
-            </a:r>
-            <a:endParaRPr lang="zh-CN" altLang="en-US" sz="2000" dirty="0">
-              <a:solidFill>
-                <a:schemeClr val="tx1">
-                  <a:lumMod val="75000"/>
-                  <a:lumOff val="25000"/>
-                </a:schemeClr>
-              </a:solidFill>
-              <a:latin typeface="微软雅黑 Light" panose="020B0502040204020203" pitchFamily="34" charset="-122"/>
-              <a:ea typeface="微软雅黑 Light" panose="020B0502040204020203" pitchFamily="34" charset="-122"/>
-            </a:endParaRPr>
-          </a:p>
-        </p:txBody>
-      </p:sp>
-      <p:sp>
-        <p:nvSpPr>
           <p:cNvPr id="4" name="稻壳儿原创设计师【幻雨工作室】_3"/>
           <p:cNvSpPr/>
           <p:nvPr/>
         </p:nvSpPr>
         <p:spPr>
           <a:xfrm>
-            <a:off x="4539180" y="5155263"/>
-            <a:ext cx="3113641" cy="572464"/>
+            <a:off x="4334075" y="3864943"/>
+            <a:ext cx="3113641" cy="1290320"/>
           </a:xfrm>
           <a:prstGeom prst="rect">
             <a:avLst/>
@@ -3431,17 +3639,96 @@
               </a:lnSpc>
             </a:pPr>
             <a:r>
-              <a:rPr lang="zh-CN" altLang="en-US" sz="1200" dirty="0">
-                <a:solidFill>
-                  <a:schemeClr val="bg1">
-                    <a:lumMod val="75000"/>
-                  </a:schemeClr>
-                </a:solidFill>
-                <a:latin typeface="微软雅黑" panose="020B0503020204020204" pitchFamily="34" charset="-122"/>
-                <a:ea typeface="微软雅黑" panose="020B0503020204020204" pitchFamily="34" charset="-122"/>
-                <a:cs typeface="Arial" panose="020B0604020202020204" pitchFamily="34" charset="0"/>
-              </a:rPr>
-              <a:t>Enter your company name, business advertising language</a:t>
+              <a:rPr lang="en-US" sz="1200">
+                <a:sym typeface="+mn-ea"/>
+              </a:rPr>
+              <a:t>2153410</a:t>
+            </a:r>
+            <a:r>
+              <a:rPr lang="zh-CN" altLang="en-US" sz="1200">
+                <a:sym typeface="+mn-ea"/>
+              </a:rPr>
+              <a:t>刘金硕</a:t>
+            </a:r>
+            <a:endParaRPr lang="zh-CN" altLang="en-US" sz="1200"/>
+          </a:p>
+          <a:p>
+            <a:pPr algn="ctr">
+              <a:lnSpc>
+                <a:spcPct val="130000"/>
+              </a:lnSpc>
+            </a:pPr>
+            <a:r>
+              <a:rPr lang="en-US" altLang="zh-CN" sz="1200">
+                <a:sym typeface="+mn-ea"/>
+              </a:rPr>
+              <a:t>2150618</a:t>
+            </a:r>
+            <a:r>
+              <a:rPr lang="zh-CN" altLang="en-US" sz="1200">
+                <a:sym typeface="+mn-ea"/>
+              </a:rPr>
+              <a:t>田鑫阳</a:t>
+            </a:r>
+            <a:endParaRPr lang="zh-CN" altLang="en-US" sz="1200"/>
+          </a:p>
+          <a:p>
+            <a:pPr algn="ctr">
+              <a:lnSpc>
+                <a:spcPct val="130000"/>
+              </a:lnSpc>
+            </a:pPr>
+            <a:r>
+              <a:rPr lang="en-US" altLang="zh-CN" sz="1200">
+                <a:sym typeface="+mn-ea"/>
+              </a:rPr>
+              <a:t>2153305</a:t>
+            </a:r>
+            <a:r>
+              <a:rPr lang="zh-CN" altLang="en-US" sz="1200">
+                <a:sym typeface="+mn-ea"/>
+              </a:rPr>
+              <a:t>王佳蔚</a:t>
+            </a:r>
+            <a:endParaRPr lang="zh-CN" altLang="en-US" sz="1200"/>
+          </a:p>
+          <a:p>
+            <a:pPr algn="ctr">
+              <a:lnSpc>
+                <a:spcPct val="130000"/>
+              </a:lnSpc>
+            </a:pPr>
+            <a:r>
+              <a:rPr lang="en-US" altLang="zh-CN" sz="1200">
+                <a:sym typeface="+mn-ea"/>
+              </a:rPr>
+              <a:t>2153294</a:t>
+            </a:r>
+            <a:r>
+              <a:rPr lang="zh-CN" altLang="en-US" sz="1200">
+                <a:sym typeface="+mn-ea"/>
+              </a:rPr>
+              <a:t>孟璟陆</a:t>
+            </a:r>
+            <a:endParaRPr lang="zh-CN" altLang="en-US" sz="1200"/>
+          </a:p>
+          <a:p>
+            <a:pPr algn="ctr">
+              <a:lnSpc>
+                <a:spcPct val="130000"/>
+              </a:lnSpc>
+            </a:pPr>
+            <a:r>
+              <a:rPr lang="en-US" altLang="zh-CN" sz="1200">
+                <a:sym typeface="+mn-ea"/>
+              </a:rPr>
+              <a:t>2150261</a:t>
+            </a:r>
+            <a:r>
+              <a:rPr lang="zh-CN" altLang="en-US" sz="1200">
+                <a:sym typeface="+mn-ea"/>
+              </a:rPr>
+              <a:t>葛一飞</a:t>
             </a:r>
             <a:endParaRPr lang="zh-CN" altLang="en-US" sz="1200" dirty="0">
               <a:solidFill>
@@ -6076,7 +6363,7 @@
                   <a:latin typeface="Arial" panose="020B0604020202020204" pitchFamily="34" charset="0"/>
                   <a:cs typeface="Arial" panose="020B0604020202020204" pitchFamily="34" charset="0"/>
                 </a:rPr>
-                <a:t>The Quick 策略是一个接口或抽象类，它定义了一组可互相替代的算法或行为。每个具体策略类实现了这个接口，提供了自己的具体实现。</a:t>
+                <a:t>策略是一个接口或抽象类，它定义了一组可互相替代的算法或行为。每个具体策略类实现了这个接口，提供了自己的具体实现。</a:t>
               </a:r>
               <a:endParaRPr lang="zh-CN" altLang="en-US" sz="1200" dirty="0">
                 <a:solidFill>
@@ -10508,6 +10795,7 @@
 <file path=ppt/tags/tag19.xml><?xml version="1.0" encoding="utf-8"?>
 <p:tagLst xmlns:p="http://schemas.openxmlformats.org/presentationml/2006/main">
   <p:tag name="KSO_WM_BEAUTIFY_FLAG" val=""/>
+  <p:tag name="KSO_WM_UNIT_PLACING_PICTURE_USER_VIEWPORT" val="{&quot;height&quot;:2716,&quot;width&quot;:8013}"/>
 </p:tagLst>
 </file>
 
@@ -10518,6 +10806,18 @@
 </file>
 
 <file path=ppt/tags/tag20.xml><?xml version="1.0" encoding="utf-8"?>
+<p:tagLst xmlns:p="http://schemas.openxmlformats.org/presentationml/2006/main">
+  <p:tag name="KSO_WM_BEAUTIFY_FLAG" val=""/>
+</p:tagLst>
+</file>
+
+<file path=ppt/tags/tag21.xml><?xml version="1.0" encoding="utf-8"?>
+<p:tagLst xmlns:p="http://schemas.openxmlformats.org/presentationml/2006/main">
+  <p:tag name="KSO_WM_BEAUTIFY_FLAG" val=""/>
+</p:tagLst>
+</file>
+
+<file path=ppt/tags/tag22.xml><?xml version="1.0" encoding="utf-8"?>
 <p:tagLst xmlns:p="http://schemas.openxmlformats.org/presentationml/2006/main">
   <p:tag name="KSO_WPP_MARK_KEY" val="e590d23f-e0e7-4113-a92f-e1ed243c22b0"/>
   <p:tag name="COMMONDATA" val="eyJoZGlkIjoiMjkzODA0ZGU1ZjI3NmViMTIyNjVjMTVhMTI2MjhhMjAifQ=="/>

--- a/OpencvFInal/Opencv.pptx
+++ b/OpencvFInal/Opencv.pptx
@@ -13,18 +13,19 @@
     <p:sldId id="266" r:id="rId8"/>
     <p:sldId id="259" r:id="rId9"/>
     <p:sldId id="270" r:id="rId10"/>
-    <p:sldId id="260" r:id="rId11"/>
-    <p:sldId id="272" r:id="rId12"/>
-    <p:sldId id="278" r:id="rId13"/>
-    <p:sldId id="279" r:id="rId14"/>
-    <p:sldId id="280" r:id="rId15"/>
-    <p:sldId id="282" r:id="rId16"/>
-    <p:sldId id="261" r:id="rId17"/>
+    <p:sldId id="284" r:id="rId11"/>
+    <p:sldId id="260" r:id="rId12"/>
+    <p:sldId id="272" r:id="rId13"/>
+    <p:sldId id="278" r:id="rId14"/>
+    <p:sldId id="279" r:id="rId15"/>
+    <p:sldId id="280" r:id="rId16"/>
+    <p:sldId id="282" r:id="rId17"/>
+    <p:sldId id="261" r:id="rId18"/>
   </p:sldIdLst>
   <p:sldSz cx="12192000" cy="6858000"/>
   <p:notesSz cx="6858000" cy="9144000"/>
   <p:custDataLst>
-    <p:tags r:id="rId21"/>
+    <p:tags r:id="rId22"/>
   </p:custDataLst>
   <p:defaultTextStyle>
     <a:defPPr>
@@ -1541,6 +1542,535 @@
       </p:grpSpPr>
       <p:sp>
         <p:nvSpPr>
+          <p:cNvPr id="2" name="稻壳儿原创设计师【幻雨工作室】_1"/>
+          <p:cNvSpPr txBox="1"/>
+          <p:nvPr/>
+        </p:nvSpPr>
+        <p:spPr>
+          <a:xfrm>
+            <a:off x="4942675" y="2890391"/>
+            <a:ext cx="4585970" cy="1691640"/>
+          </a:xfrm>
+          <a:prstGeom prst="rect">
+            <a:avLst/>
+          </a:prstGeom>
+          <a:noFill/>
+        </p:spPr>
+        <p:txBody>
+          <a:bodyPr wrap="none" rtlCol="0">
+            <a:spAutoFit/>
+          </a:bodyPr>
+          <a:lstStyle/>
+          <a:p>
+            <a:pPr algn="l" defTabSz="685800"/>
+            <a:r>
+              <a:rPr lang="en-US" altLang="zh-CN" sz="4000" dirty="0">
+                <a:solidFill>
+                  <a:schemeClr val="tx1">
+                    <a:lumMod val="75000"/>
+                    <a:lumOff val="25000"/>
+                  </a:schemeClr>
+                </a:solidFill>
+                <a:latin typeface="微软雅黑" panose="020B0503020204020204" pitchFamily="34" charset="-122"/>
+                <a:ea typeface="微软雅黑" panose="020B0503020204020204" pitchFamily="34" charset="-122"/>
+                <a:sym typeface="+mn-ea"/>
+              </a:rPr>
+              <a:t>FeatureDetector</a:t>
+            </a:r>
+            <a:br>
+              <a:rPr lang="en-US" altLang="zh-CN" sz="4000" dirty="0">
+                <a:solidFill>
+                  <a:schemeClr val="tx1">
+                    <a:lumMod val="75000"/>
+                    <a:lumOff val="25000"/>
+                  </a:schemeClr>
+                </a:solidFill>
+                <a:latin typeface="微软雅黑" panose="020B0503020204020204" pitchFamily="34" charset="-122"/>
+                <a:ea typeface="微软雅黑" panose="020B0503020204020204" pitchFamily="34" charset="-122"/>
+                <a:sym typeface="+mn-ea"/>
+              </a:rPr>
+            </a:br>
+            <a:r>
+              <a:rPr lang="zh-CN" altLang="en-US" sz="4000" dirty="0">
+                <a:solidFill>
+                  <a:schemeClr val="tx1">
+                    <a:lumMod val="75000"/>
+                    <a:lumOff val="25000"/>
+                  </a:schemeClr>
+                </a:solidFill>
+                <a:latin typeface="微软雅黑" panose="020B0503020204020204" pitchFamily="34" charset="-122"/>
+                <a:ea typeface="微软雅黑" panose="020B0503020204020204" pitchFamily="34" charset="-122"/>
+                <a:sym typeface="+mn-ea"/>
+              </a:rPr>
+              <a:t>子类</a:t>
+            </a:r>
+            <a:r>
+              <a:rPr lang="en-US" altLang="zh-CN" sz="4000" dirty="0">
+                <a:solidFill>
+                  <a:schemeClr val="tx1">
+                    <a:lumMod val="75000"/>
+                    <a:lumOff val="25000"/>
+                  </a:schemeClr>
+                </a:solidFill>
+                <a:latin typeface="微软雅黑" panose="020B0503020204020204" pitchFamily="34" charset="-122"/>
+                <a:ea typeface="微软雅黑" panose="020B0503020204020204" pitchFamily="34" charset="-122"/>
+                <a:sym typeface="+mn-ea"/>
+              </a:rPr>
+              <a:t>(</a:t>
+            </a:r>
+            <a:r>
+              <a:rPr lang="zh-CN" altLang="en-US" sz="4000" dirty="0">
+                <a:solidFill>
+                  <a:schemeClr val="tx1">
+                    <a:lumMod val="75000"/>
+                    <a:lumOff val="25000"/>
+                  </a:schemeClr>
+                </a:solidFill>
+                <a:latin typeface="微软雅黑" panose="020B0503020204020204" pitchFamily="34" charset="-122"/>
+                <a:ea typeface="微软雅黑" panose="020B0503020204020204" pitchFamily="34" charset="-122"/>
+                <a:sym typeface="+mn-ea"/>
+              </a:rPr>
+              <a:t>抽象策略</a:t>
+            </a:r>
+            <a:r>
+              <a:rPr lang="en-US" altLang="zh-CN" sz="4000" dirty="0">
+                <a:solidFill>
+                  <a:schemeClr val="tx1">
+                    <a:lumMod val="75000"/>
+                    <a:lumOff val="25000"/>
+                  </a:schemeClr>
+                </a:solidFill>
+                <a:latin typeface="微软雅黑" panose="020B0503020204020204" pitchFamily="34" charset="-122"/>
+                <a:ea typeface="微软雅黑" panose="020B0503020204020204" pitchFamily="34" charset="-122"/>
+                <a:sym typeface="+mn-ea"/>
+              </a:rPr>
+              <a:t>)</a:t>
+            </a:r>
+            <a:r>
+              <a:rPr lang="zh-CN" altLang="en-US" sz="4000" dirty="0">
+                <a:solidFill>
+                  <a:schemeClr val="tx1">
+                    <a:lumMod val="75000"/>
+                    <a:lumOff val="25000"/>
+                  </a:schemeClr>
+                </a:solidFill>
+                <a:latin typeface="微软雅黑" panose="020B0503020204020204" pitchFamily="34" charset="-122"/>
+                <a:ea typeface="微软雅黑" panose="020B0503020204020204" pitchFamily="34" charset="-122"/>
+                <a:sym typeface="+mn-ea"/>
+              </a:rPr>
+              <a:t>介绍</a:t>
+            </a:r>
+            <a:endParaRPr lang="zh-CN" altLang="en-US" sz="4000" dirty="0">
+              <a:solidFill>
+                <a:schemeClr val="tx1">
+                  <a:lumMod val="75000"/>
+                  <a:lumOff val="25000"/>
+                </a:schemeClr>
+              </a:solidFill>
+              <a:latin typeface="微软雅黑" panose="020B0503020204020204" pitchFamily="34" charset="-122"/>
+              <a:ea typeface="微软雅黑" panose="020B0503020204020204" pitchFamily="34" charset="-122"/>
+              <a:sym typeface="+mn-ea"/>
+            </a:endParaRPr>
+          </a:p>
+          <a:p>
+            <a:pPr algn="l" defTabSz="685800"/>
+            <a:r>
+              <a:rPr lang="en-US" altLang="zh-CN" sz="2400" dirty="0">
+                <a:solidFill>
+                  <a:schemeClr val="tx1">
+                    <a:lumMod val="65000"/>
+                    <a:lumOff val="35000"/>
+                  </a:schemeClr>
+                </a:solidFill>
+                <a:latin typeface="微软雅黑 Light" panose="020B0502040204020203" pitchFamily="34" charset="-122"/>
+                <a:ea typeface="微软雅黑 Light" panose="020B0502040204020203" pitchFamily="34" charset="-122"/>
+                <a:cs typeface="Arial" panose="020B0604020202020204" pitchFamily="34" charset="0"/>
+                <a:sym typeface="Arial" panose="020B0604020202020204" pitchFamily="34" charset="0"/>
+              </a:rPr>
+              <a:t>Part4</a:t>
+            </a:r>
+            <a:endParaRPr lang="en-US" altLang="zh-CN" sz="2400" dirty="0">
+              <a:solidFill>
+                <a:schemeClr val="tx1">
+                  <a:lumMod val="65000"/>
+                  <a:lumOff val="35000"/>
+                </a:schemeClr>
+              </a:solidFill>
+              <a:latin typeface="微软雅黑 Light" panose="020B0502040204020203" pitchFamily="34" charset="-122"/>
+              <a:ea typeface="微软雅黑 Light" panose="020B0502040204020203" pitchFamily="34" charset="-122"/>
+              <a:cs typeface="Arial" panose="020B0604020202020204" pitchFamily="34" charset="0"/>
+              <a:sym typeface="Arial" panose="020B0604020202020204" pitchFamily="34" charset="0"/>
+            </a:endParaRPr>
+          </a:p>
+        </p:txBody>
+      </p:sp>
+      <p:sp>
+        <p:nvSpPr>
+          <p:cNvPr id="3" name="稻壳儿原创设计师【幻雨工作室】_2"/>
+          <p:cNvSpPr>
+            <a:spLocks noChangeArrowheads="1"/>
+          </p:cNvSpPr>
+          <p:nvPr/>
+        </p:nvSpPr>
+        <p:spPr bwMode="auto">
+          <a:xfrm>
+            <a:off x="3473933" y="2777576"/>
+            <a:ext cx="1306286" cy="1302848"/>
+          </a:xfrm>
+          <a:prstGeom prst="ellipse">
+            <a:avLst/>
+          </a:prstGeom>
+          <a:solidFill>
+            <a:schemeClr val="accent1"/>
+          </a:solidFill>
+          <a:ln w="76200">
+            <a:noFill/>
+          </a:ln>
+        </p:spPr>
+        <p:txBody>
+          <a:bodyPr/>
+          <a:lstStyle>
+            <a:defPPr>
+              <a:defRPr lang="zh-CN"/>
+            </a:defPPr>
+            <a:lvl1pPr algn="l" rtl="0" fontAlgn="base">
+              <a:spcBef>
+                <a:spcPct val="0"/>
+              </a:spcBef>
+              <a:spcAft>
+                <a:spcPct val="0"/>
+              </a:spcAft>
+              <a:buFont typeface="Arial" panose="020B0604020202020204" pitchFamily="34" charset="0"/>
+              <a:defRPr kern="1200">
+                <a:solidFill>
+                  <a:schemeClr val="tx1"/>
+                </a:solidFill>
+                <a:latin typeface="Arial" panose="020B0604020202020204" pitchFamily="34" charset="0"/>
+                <a:ea typeface="宋体" panose="02010600030101010101" pitchFamily="2" charset="-122"/>
+                <a:cs typeface="+mn-cs"/>
+              </a:defRPr>
+            </a:lvl1pPr>
+            <a:lvl2pPr marL="457200" algn="l" rtl="0" fontAlgn="base">
+              <a:spcBef>
+                <a:spcPct val="0"/>
+              </a:spcBef>
+              <a:spcAft>
+                <a:spcPct val="0"/>
+              </a:spcAft>
+              <a:buFont typeface="Arial" panose="020B0604020202020204" pitchFamily="34" charset="0"/>
+              <a:defRPr kern="1200">
+                <a:solidFill>
+                  <a:schemeClr val="tx1"/>
+                </a:solidFill>
+                <a:latin typeface="Arial" panose="020B0604020202020204" pitchFamily="34" charset="0"/>
+                <a:ea typeface="宋体" panose="02010600030101010101" pitchFamily="2" charset="-122"/>
+                <a:cs typeface="+mn-cs"/>
+              </a:defRPr>
+            </a:lvl2pPr>
+            <a:lvl3pPr marL="914400" algn="l" rtl="0" fontAlgn="base">
+              <a:spcBef>
+                <a:spcPct val="0"/>
+              </a:spcBef>
+              <a:spcAft>
+                <a:spcPct val="0"/>
+              </a:spcAft>
+              <a:buFont typeface="Arial" panose="020B0604020202020204" pitchFamily="34" charset="0"/>
+              <a:defRPr kern="1200">
+                <a:solidFill>
+                  <a:schemeClr val="tx1"/>
+                </a:solidFill>
+                <a:latin typeface="Arial" panose="020B0604020202020204" pitchFamily="34" charset="0"/>
+                <a:ea typeface="宋体" panose="02010600030101010101" pitchFamily="2" charset="-122"/>
+                <a:cs typeface="+mn-cs"/>
+              </a:defRPr>
+            </a:lvl3pPr>
+            <a:lvl4pPr marL="1371600" algn="l" rtl="0" fontAlgn="base">
+              <a:spcBef>
+                <a:spcPct val="0"/>
+              </a:spcBef>
+              <a:spcAft>
+                <a:spcPct val="0"/>
+              </a:spcAft>
+              <a:buFont typeface="Arial" panose="020B0604020202020204" pitchFamily="34" charset="0"/>
+              <a:defRPr kern="1200">
+                <a:solidFill>
+                  <a:schemeClr val="tx1"/>
+                </a:solidFill>
+                <a:latin typeface="Arial" panose="020B0604020202020204" pitchFamily="34" charset="0"/>
+                <a:ea typeface="宋体" panose="02010600030101010101" pitchFamily="2" charset="-122"/>
+                <a:cs typeface="+mn-cs"/>
+              </a:defRPr>
+            </a:lvl4pPr>
+            <a:lvl5pPr marL="1828800" algn="l" rtl="0" fontAlgn="base">
+              <a:spcBef>
+                <a:spcPct val="0"/>
+              </a:spcBef>
+              <a:spcAft>
+                <a:spcPct val="0"/>
+              </a:spcAft>
+              <a:buFont typeface="Arial" panose="020B0604020202020204" pitchFamily="34" charset="0"/>
+              <a:defRPr kern="1200">
+                <a:solidFill>
+                  <a:schemeClr val="tx1"/>
+                </a:solidFill>
+                <a:latin typeface="Arial" panose="020B0604020202020204" pitchFamily="34" charset="0"/>
+                <a:ea typeface="宋体" panose="02010600030101010101" pitchFamily="2" charset="-122"/>
+                <a:cs typeface="+mn-cs"/>
+              </a:defRPr>
+            </a:lvl5pPr>
+            <a:lvl6pPr marL="2286000" algn="l" defTabSz="914400" rtl="0" eaLnBrk="1" latinLnBrk="0" hangingPunct="1">
+              <a:defRPr kern="1200">
+                <a:solidFill>
+                  <a:schemeClr val="tx1"/>
+                </a:solidFill>
+                <a:latin typeface="Arial" panose="020B0604020202020204" pitchFamily="34" charset="0"/>
+                <a:ea typeface="宋体" panose="02010600030101010101" pitchFamily="2" charset="-122"/>
+                <a:cs typeface="+mn-cs"/>
+              </a:defRPr>
+            </a:lvl6pPr>
+            <a:lvl7pPr marL="2743200" algn="l" defTabSz="914400" rtl="0" eaLnBrk="1" latinLnBrk="0" hangingPunct="1">
+              <a:defRPr kern="1200">
+                <a:solidFill>
+                  <a:schemeClr val="tx1"/>
+                </a:solidFill>
+                <a:latin typeface="Arial" panose="020B0604020202020204" pitchFamily="34" charset="0"/>
+                <a:ea typeface="宋体" panose="02010600030101010101" pitchFamily="2" charset="-122"/>
+                <a:cs typeface="+mn-cs"/>
+              </a:defRPr>
+            </a:lvl7pPr>
+            <a:lvl8pPr marL="3200400" algn="l" defTabSz="914400" rtl="0" eaLnBrk="1" latinLnBrk="0" hangingPunct="1">
+              <a:defRPr kern="1200">
+                <a:solidFill>
+                  <a:schemeClr val="tx1"/>
+                </a:solidFill>
+                <a:latin typeface="Arial" panose="020B0604020202020204" pitchFamily="34" charset="0"/>
+                <a:ea typeface="宋体" panose="02010600030101010101" pitchFamily="2" charset="-122"/>
+                <a:cs typeface="+mn-cs"/>
+              </a:defRPr>
+            </a:lvl8pPr>
+            <a:lvl9pPr marL="3657600" algn="l" defTabSz="914400" rtl="0" eaLnBrk="1" latinLnBrk="0" hangingPunct="1">
+              <a:defRPr kern="1200">
+                <a:solidFill>
+                  <a:schemeClr val="tx1"/>
+                </a:solidFill>
+                <a:latin typeface="Arial" panose="020B0604020202020204" pitchFamily="34" charset="0"/>
+                <a:ea typeface="宋体" panose="02010600030101010101" pitchFamily="2" charset="-122"/>
+                <a:cs typeface="+mn-cs"/>
+              </a:defRPr>
+            </a:lvl9pPr>
+          </a:lstStyle>
+          <a:p>
+            <a:pPr eaLnBrk="1" hangingPunct="1">
+              <a:buFontTx/>
+              <a:buNone/>
+            </a:pPr>
+            <a:endParaRPr lang="zh-CN" altLang="en-US" sz="2000" dirty="0">
+              <a:solidFill>
+                <a:srgbClr val="7AABA6"/>
+              </a:solidFill>
+              <a:latin typeface="微软雅黑 Light" panose="020B0502040204020203" pitchFamily="34" charset="-122"/>
+              <a:ea typeface="微软雅黑 Light" panose="020B0502040204020203" pitchFamily="34" charset="-122"/>
+            </a:endParaRPr>
+          </a:p>
+        </p:txBody>
+      </p:sp>
+      <p:sp>
+        <p:nvSpPr>
+          <p:cNvPr id="4" name="稻壳儿原创设计师【幻雨工作室】_3"/>
+          <p:cNvSpPr txBox="1">
+            <a:spLocks noChangeArrowheads="1"/>
+          </p:cNvSpPr>
+          <p:nvPr/>
+        </p:nvSpPr>
+        <p:spPr bwMode="auto">
+          <a:xfrm>
+            <a:off x="3496539" y="2967335"/>
+            <a:ext cx="1261075" cy="923330"/>
+          </a:xfrm>
+          <a:prstGeom prst="rect">
+            <a:avLst/>
+          </a:prstGeom>
+          <a:noFill/>
+          <a:ln>
+            <a:noFill/>
+          </a:ln>
+          <a:extLst>
+            <a:ext uri="{909E8E84-426E-40DD-AFC4-6F175D3DCCD1}">
+              <a14:hiddenFill xmlns:a14="http://schemas.microsoft.com/office/drawing/2010/main">
+                <a:solidFill>
+                  <a:srgbClr val="FFFFFF"/>
+                </a:solidFill>
+              </a14:hiddenFill>
+            </a:ext>
+            <a:ext uri="{91240B29-F687-4F45-9708-019B960494DF}">
+              <a14:hiddenLine xmlns:a14="http://schemas.microsoft.com/office/drawing/2010/main" w="9525">
+                <a:solidFill>
+                  <a:srgbClr val="000000"/>
+                </a:solidFill>
+                <a:miter lim="800000"/>
+                <a:headEnd/>
+                <a:tailEnd/>
+              </a14:hiddenLine>
+            </a:ext>
+          </a:extLst>
+        </p:spPr>
+        <p:txBody>
+          <a:bodyPr wrap="square">
+            <a:spAutoFit/>
+          </a:bodyPr>
+          <a:lstStyle>
+            <a:defPPr>
+              <a:defRPr lang="zh-CN"/>
+            </a:defPPr>
+            <a:lvl1pPr marL="0" algn="l" defTabSz="914400" rtl="0" eaLnBrk="1" latinLnBrk="0" hangingPunct="1">
+              <a:defRPr sz="1800" kern="1200">
+                <a:solidFill>
+                  <a:schemeClr val="tx1"/>
+                </a:solidFill>
+                <a:latin typeface="+mn-lt"/>
+                <a:ea typeface="+mn-ea"/>
+                <a:cs typeface="+mn-cs"/>
+              </a:defRPr>
+            </a:lvl1pPr>
+            <a:lvl2pPr marL="457200" algn="l" defTabSz="914400" rtl="0" eaLnBrk="1" latinLnBrk="0" hangingPunct="1">
+              <a:defRPr sz="1800" kern="1200">
+                <a:solidFill>
+                  <a:schemeClr val="tx1"/>
+                </a:solidFill>
+                <a:latin typeface="+mn-lt"/>
+                <a:ea typeface="+mn-ea"/>
+                <a:cs typeface="+mn-cs"/>
+              </a:defRPr>
+            </a:lvl2pPr>
+            <a:lvl3pPr marL="914400" algn="l" defTabSz="914400" rtl="0" eaLnBrk="1" latinLnBrk="0" hangingPunct="1">
+              <a:defRPr sz="1800" kern="1200">
+                <a:solidFill>
+                  <a:schemeClr val="tx1"/>
+                </a:solidFill>
+                <a:latin typeface="+mn-lt"/>
+                <a:ea typeface="+mn-ea"/>
+                <a:cs typeface="+mn-cs"/>
+              </a:defRPr>
+            </a:lvl3pPr>
+            <a:lvl4pPr marL="1371600" algn="l" defTabSz="914400" rtl="0" eaLnBrk="1" latinLnBrk="0" hangingPunct="1">
+              <a:defRPr sz="1800" kern="1200">
+                <a:solidFill>
+                  <a:schemeClr val="tx1"/>
+                </a:solidFill>
+                <a:latin typeface="+mn-lt"/>
+                <a:ea typeface="+mn-ea"/>
+                <a:cs typeface="+mn-cs"/>
+              </a:defRPr>
+            </a:lvl4pPr>
+            <a:lvl5pPr marL="1828800" algn="l" defTabSz="914400" rtl="0" eaLnBrk="1" latinLnBrk="0" hangingPunct="1">
+              <a:defRPr sz="1800" kern="1200">
+                <a:solidFill>
+                  <a:schemeClr val="tx1"/>
+                </a:solidFill>
+                <a:latin typeface="+mn-lt"/>
+                <a:ea typeface="+mn-ea"/>
+                <a:cs typeface="+mn-cs"/>
+              </a:defRPr>
+            </a:lvl5pPr>
+            <a:lvl6pPr marL="2286000" algn="l" defTabSz="914400" rtl="0" eaLnBrk="1" latinLnBrk="0" hangingPunct="1">
+              <a:defRPr sz="1800" kern="1200">
+                <a:solidFill>
+                  <a:schemeClr val="tx1"/>
+                </a:solidFill>
+                <a:latin typeface="+mn-lt"/>
+                <a:ea typeface="+mn-ea"/>
+                <a:cs typeface="+mn-cs"/>
+              </a:defRPr>
+            </a:lvl6pPr>
+            <a:lvl7pPr marL="2743200" algn="l" defTabSz="914400" rtl="0" eaLnBrk="1" latinLnBrk="0" hangingPunct="1">
+              <a:defRPr sz="1800" kern="1200">
+                <a:solidFill>
+                  <a:schemeClr val="tx1"/>
+                </a:solidFill>
+                <a:latin typeface="+mn-lt"/>
+                <a:ea typeface="+mn-ea"/>
+                <a:cs typeface="+mn-cs"/>
+              </a:defRPr>
+            </a:lvl7pPr>
+            <a:lvl8pPr marL="3200400" algn="l" defTabSz="914400" rtl="0" eaLnBrk="1" latinLnBrk="0" hangingPunct="1">
+              <a:defRPr sz="1800" kern="1200">
+                <a:solidFill>
+                  <a:schemeClr val="tx1"/>
+                </a:solidFill>
+                <a:latin typeface="+mn-lt"/>
+                <a:ea typeface="+mn-ea"/>
+                <a:cs typeface="+mn-cs"/>
+              </a:defRPr>
+            </a:lvl8pPr>
+            <a:lvl9pPr marL="3657600" algn="l" defTabSz="914400" rtl="0" eaLnBrk="1" latinLnBrk="0" hangingPunct="1">
+              <a:defRPr sz="1800" kern="1200">
+                <a:solidFill>
+                  <a:schemeClr val="tx1"/>
+                </a:solidFill>
+                <a:latin typeface="+mn-lt"/>
+                <a:ea typeface="+mn-ea"/>
+                <a:cs typeface="+mn-cs"/>
+              </a:defRPr>
+            </a:lvl9pPr>
+          </a:lstStyle>
+          <a:p>
+            <a:pPr algn="ctr" eaLnBrk="1" hangingPunct="1">
+              <a:lnSpc>
+                <a:spcPct val="100000"/>
+              </a:lnSpc>
+              <a:spcBef>
+                <a:spcPct val="0"/>
+              </a:spcBef>
+              <a:buFontTx/>
+              <a:buNone/>
+            </a:pPr>
+            <a:r>
+              <a:rPr lang="en-US" altLang="zh-CN" sz="5400" b="1" dirty="0">
+                <a:solidFill>
+                  <a:schemeClr val="bg1"/>
+                </a:solidFill>
+                <a:latin typeface="微软雅黑 Light" panose="020B0502040204020203" pitchFamily="34" charset="-122"/>
+                <a:ea typeface="微软雅黑 Light" panose="020B0502040204020203" pitchFamily="34" charset="-122"/>
+              </a:rPr>
+              <a:t>04</a:t>
+            </a:r>
+            <a:endParaRPr lang="zh-CN" altLang="en-US" sz="5400" b="1" dirty="0">
+              <a:solidFill>
+                <a:schemeClr val="bg1"/>
+              </a:solidFill>
+              <a:latin typeface="微软雅黑 Light" panose="020B0502040204020203" pitchFamily="34" charset="-122"/>
+              <a:ea typeface="微软雅黑 Light" panose="020B0502040204020203" pitchFamily="34" charset="-122"/>
+            </a:endParaRPr>
+          </a:p>
+        </p:txBody>
+      </p:sp>
+    </p:spTree>
+  </p:cSld>
+  <p:clrMapOvr>
+    <a:masterClrMapping/>
+  </p:clrMapOvr>
+</p:sld>
+</file>
+
+<file path=ppt/slides/slide11.xml><?xml version="1.0" encoding="utf-8"?>
+<p:sld xmlns:a="http://schemas.openxmlformats.org/drawingml/2006/main" xmlns:r="http://schemas.openxmlformats.org/officeDocument/2006/relationships" xmlns:p="http://schemas.openxmlformats.org/presentationml/2006/main">
+  <p:cSld>
+    <p:spTree>
+      <p:nvGrpSpPr>
+        <p:cNvPr id="1" name=""/>
+        <p:cNvGrpSpPr/>
+        <p:nvPr/>
+      </p:nvGrpSpPr>
+      <p:grpSpPr>
+        <a:xfrm>
+          <a:off x="0" y="0"/>
+          <a:ext cx="0" cy="0"/>
+          <a:chOff x="0" y="0"/>
+          <a:chExt cx="0" cy="0"/>
+        </a:xfrm>
+      </p:grpSpPr>
+      <p:sp>
+        <p:nvSpPr>
           <p:cNvPr id="4" name="稻壳儿原创设计师【幻雨工作室】_1"/>
           <p:cNvSpPr txBox="1"/>
           <p:nvPr/>
@@ -1844,7 +2374,7 @@
 </p:sld>
 </file>
 
-<file path=ppt/slides/slide11.xml><?xml version="1.0" encoding="utf-8"?>
+<file path=ppt/slides/slide12.xml><?xml version="1.0" encoding="utf-8"?>
 <p:sld xmlns:a="http://schemas.openxmlformats.org/drawingml/2006/main" xmlns:r="http://schemas.openxmlformats.org/officeDocument/2006/relationships" xmlns:p="http://schemas.openxmlformats.org/presentationml/2006/main">
   <p:cSld>
     <p:spTree>
@@ -2335,7 +2865,7 @@
 </p:sld>
 </file>
 
-<file path=ppt/slides/slide12.xml><?xml version="1.0" encoding="utf-8"?>
+<file path=ppt/slides/slide13.xml><?xml version="1.0" encoding="utf-8"?>
 <p:sld xmlns:a="http://schemas.openxmlformats.org/drawingml/2006/main" xmlns:r="http://schemas.openxmlformats.org/officeDocument/2006/relationships" xmlns:p="http://schemas.openxmlformats.org/presentationml/2006/main">
   <p:cSld>
     <p:spTree>
@@ -2889,388 +3419,6 @@
 </p:sld>
 </file>
 
-<file path=ppt/slides/slide13.xml><?xml version="1.0" encoding="utf-8"?>
-<p:sld xmlns:a="http://schemas.openxmlformats.org/drawingml/2006/main" xmlns:r="http://schemas.openxmlformats.org/officeDocument/2006/relationships" xmlns:p="http://schemas.openxmlformats.org/presentationml/2006/main">
-  <p:cSld>
-    <p:spTree>
-      <p:nvGrpSpPr>
-        <p:cNvPr id="1" name=""/>
-        <p:cNvGrpSpPr/>
-        <p:nvPr/>
-      </p:nvGrpSpPr>
-      <p:grpSpPr>
-        <a:xfrm>
-          <a:off x="0" y="0"/>
-          <a:ext cx="0" cy="0"/>
-          <a:chOff x="0" y="0"/>
-          <a:chExt cx="0" cy="0"/>
-        </a:xfrm>
-      </p:grpSpPr>
-      <p:sp>
-        <p:nvSpPr>
-          <p:cNvPr id="4" name="稻壳儿原创设计师【幻雨工作室】_1"/>
-          <p:cNvSpPr txBox="1"/>
-          <p:nvPr/>
-        </p:nvSpPr>
-        <p:spPr>
-          <a:xfrm>
-            <a:off x="1252855" y="509905"/>
-            <a:ext cx="7688580" cy="521970"/>
-          </a:xfrm>
-          <a:prstGeom prst="rect">
-            <a:avLst/>
-          </a:prstGeom>
-          <a:noFill/>
-        </p:spPr>
-        <p:txBody>
-          <a:bodyPr wrap="square" rtlCol="0">
-            <a:spAutoFit/>
-          </a:bodyPr>
-          <a:lstStyle/>
-          <a:p>
-            <a:pPr algn="l" defTabSz="685800"/>
-            <a:r>
-              <a:rPr lang="en-US" altLang="zh-CN" sz="2800" dirty="0">
-                <a:solidFill>
-                  <a:schemeClr val="accent1"/>
-                </a:solidFill>
-                <a:latin typeface="微软雅黑" panose="020B0503020204020204" pitchFamily="34" charset="-122"/>
-                <a:ea typeface="微软雅黑" panose="020B0503020204020204" pitchFamily="34" charset="-122"/>
-              </a:rPr>
-              <a:t>04.</a:t>
-            </a:r>
-            <a:r>
-              <a:rPr lang="en-US" altLang="zh-CN" sz="2800" dirty="0">
-                <a:solidFill>
-                  <a:schemeClr val="tx1">
-                    <a:lumMod val="75000"/>
-                    <a:lumOff val="25000"/>
-                  </a:schemeClr>
-                </a:solidFill>
-                <a:latin typeface="微软雅黑" panose="020B0503020204020204" pitchFamily="34" charset="-122"/>
-                <a:ea typeface="微软雅黑" panose="020B0503020204020204" pitchFamily="34" charset="-122"/>
-                <a:sym typeface="+mn-ea"/>
-              </a:rPr>
-              <a:t>FeatureDetector</a:t>
-            </a:r>
-            <a:r>
-              <a:rPr lang="zh-CN" altLang="en-US" sz="2800" dirty="0">
-                <a:solidFill>
-                  <a:schemeClr val="tx1">
-                    <a:lumMod val="75000"/>
-                    <a:lumOff val="25000"/>
-                  </a:schemeClr>
-                </a:solidFill>
-                <a:latin typeface="微软雅黑" panose="020B0503020204020204" pitchFamily="34" charset="-122"/>
-                <a:ea typeface="微软雅黑" panose="020B0503020204020204" pitchFamily="34" charset="-122"/>
-                <a:sym typeface="+mn-ea"/>
-              </a:rPr>
-              <a:t>子类</a:t>
-            </a:r>
-            <a:r>
-              <a:rPr lang="en-US" altLang="zh-CN" sz="2800" dirty="0">
-                <a:solidFill>
-                  <a:schemeClr val="tx1">
-                    <a:lumMod val="75000"/>
-                    <a:lumOff val="25000"/>
-                  </a:schemeClr>
-                </a:solidFill>
-                <a:latin typeface="微软雅黑" panose="020B0503020204020204" pitchFamily="34" charset="-122"/>
-                <a:ea typeface="微软雅黑" panose="020B0503020204020204" pitchFamily="34" charset="-122"/>
-                <a:sym typeface="+mn-ea"/>
-              </a:rPr>
-              <a:t>(</a:t>
-            </a:r>
-            <a:r>
-              <a:rPr lang="zh-CN" altLang="en-US" sz="2800" dirty="0">
-                <a:solidFill>
-                  <a:schemeClr val="tx1">
-                    <a:lumMod val="75000"/>
-                    <a:lumOff val="25000"/>
-                  </a:schemeClr>
-                </a:solidFill>
-                <a:latin typeface="微软雅黑" panose="020B0503020204020204" pitchFamily="34" charset="-122"/>
-                <a:ea typeface="微软雅黑" panose="020B0503020204020204" pitchFamily="34" charset="-122"/>
-                <a:sym typeface="+mn-ea"/>
-              </a:rPr>
-              <a:t>抽象策略</a:t>
-            </a:r>
-            <a:r>
-              <a:rPr lang="en-US" altLang="zh-CN" sz="2800" dirty="0">
-                <a:solidFill>
-                  <a:schemeClr val="tx1">
-                    <a:lumMod val="75000"/>
-                    <a:lumOff val="25000"/>
-                  </a:schemeClr>
-                </a:solidFill>
-                <a:latin typeface="微软雅黑" panose="020B0503020204020204" pitchFamily="34" charset="-122"/>
-                <a:ea typeface="微软雅黑" panose="020B0503020204020204" pitchFamily="34" charset="-122"/>
-                <a:sym typeface="+mn-ea"/>
-              </a:rPr>
-              <a:t>)</a:t>
-            </a:r>
-            <a:r>
-              <a:rPr lang="zh-CN" altLang="en-US" sz="2800" dirty="0">
-                <a:solidFill>
-                  <a:schemeClr val="tx1">
-                    <a:lumMod val="75000"/>
-                    <a:lumOff val="25000"/>
-                  </a:schemeClr>
-                </a:solidFill>
-                <a:latin typeface="微软雅黑" panose="020B0503020204020204" pitchFamily="34" charset="-122"/>
-                <a:ea typeface="微软雅黑" panose="020B0503020204020204" pitchFamily="34" charset="-122"/>
-                <a:sym typeface="+mn-ea"/>
-              </a:rPr>
-              <a:t>介绍</a:t>
-            </a:r>
-            <a:r>
-              <a:rPr lang="en-US" altLang="zh-CN" sz="1600" dirty="0">
-                <a:solidFill>
-                  <a:schemeClr val="accent1"/>
-                </a:solidFill>
-                <a:latin typeface="微软雅黑 Light" panose="020B0502040204020203" pitchFamily="34" charset="-122"/>
-                <a:ea typeface="微软雅黑 Light" panose="020B0502040204020203" pitchFamily="34" charset="-122"/>
-                <a:cs typeface="Arial" panose="020B0604020202020204" pitchFamily="34" charset="0"/>
-                <a:sym typeface="Arial" panose="020B0604020202020204" pitchFamily="34" charset="0"/>
-              </a:rPr>
-              <a:t>Part4</a:t>
-            </a:r>
-            <a:endParaRPr lang="zh-CN" altLang="en-US" sz="1600" dirty="0">
-              <a:solidFill>
-                <a:schemeClr val="accent1"/>
-              </a:solidFill>
-              <a:latin typeface="微软雅黑 Light" panose="020B0502040204020203" pitchFamily="34" charset="-122"/>
-              <a:ea typeface="微软雅黑 Light" panose="020B0502040204020203" pitchFamily="34" charset="-122"/>
-              <a:cs typeface="Arial" panose="020B0604020202020204" pitchFamily="34" charset="0"/>
-              <a:sym typeface="Arial" panose="020B0604020202020204" pitchFamily="34" charset="0"/>
-            </a:endParaRPr>
-          </a:p>
-        </p:txBody>
-      </p:sp>
-      <p:sp>
-        <p:nvSpPr>
-          <p:cNvPr id="2" name="稻壳儿原创设计师【幻雨工作室】_12"/>
-          <p:cNvSpPr/>
-          <p:nvPr>
-            <p:custDataLst>
-              <p:tags r:id="rId1"/>
-            </p:custDataLst>
-          </p:nvPr>
-        </p:nvSpPr>
-        <p:spPr>
-          <a:xfrm>
-            <a:off x="977265" y="4265295"/>
-            <a:ext cx="2448560" cy="460375"/>
-          </a:xfrm>
-          <a:prstGeom prst="rect">
-            <a:avLst/>
-          </a:prstGeom>
-        </p:spPr>
-        <p:txBody>
-          <a:bodyPr wrap="square">
-            <a:spAutoFit/>
-          </a:bodyPr>
-          <a:p>
-            <a:pPr algn="ctr"/>
-            <a:r>
-              <a:rPr lang="en-US" altLang="zh-CN" sz="2400" dirty="0">
-                <a:solidFill>
-                  <a:schemeClr val="accent1"/>
-                </a:solidFill>
-                <a:latin typeface="Arial" panose="020B0604020202020204" pitchFamily="34" charset="0"/>
-                <a:cs typeface="Arial" panose="020B0604020202020204" pitchFamily="34" charset="0"/>
-              </a:rPr>
-              <a:t>SimpleBlob</a:t>
-            </a:r>
-            <a:endParaRPr lang="en-US" altLang="zh-CN" sz="2400" dirty="0">
-              <a:solidFill>
-                <a:schemeClr val="accent1"/>
-              </a:solidFill>
-              <a:latin typeface="Arial" panose="020B0604020202020204" pitchFamily="34" charset="0"/>
-              <a:cs typeface="Arial" panose="020B0604020202020204" pitchFamily="34" charset="0"/>
-            </a:endParaRPr>
-          </a:p>
-        </p:txBody>
-      </p:sp>
-      <p:pic>
-        <p:nvPicPr>
-          <p:cNvPr id="3" name="图片 2"/>
-          <p:cNvPicPr>
-            <a:picLocks noChangeAspect="1"/>
-          </p:cNvPicPr>
-          <p:nvPr/>
-        </p:nvPicPr>
-        <p:blipFill>
-          <a:blip r:embed="rId2"/>
-          <a:stretch>
-            <a:fillRect/>
-          </a:stretch>
-        </p:blipFill>
-        <p:spPr>
-          <a:xfrm>
-            <a:off x="0" y="1404620"/>
-            <a:ext cx="7470775" cy="2860675"/>
-          </a:xfrm>
-          <a:prstGeom prst="rect">
-            <a:avLst/>
-          </a:prstGeom>
-        </p:spPr>
-      </p:pic>
-      <p:sp>
-        <p:nvSpPr>
-          <p:cNvPr id="5" name="文本框 4"/>
-          <p:cNvSpPr txBox="1"/>
-          <p:nvPr/>
-        </p:nvSpPr>
-        <p:spPr>
-          <a:xfrm>
-            <a:off x="7562850" y="2026920"/>
-            <a:ext cx="4544695" cy="1753235"/>
-          </a:xfrm>
-          <a:prstGeom prst="rect">
-            <a:avLst/>
-          </a:prstGeom>
-          <a:noFill/>
-        </p:spPr>
-        <p:txBody>
-          <a:bodyPr wrap="square" rtlCol="0" anchor="t">
-            <a:spAutoFit/>
-          </a:bodyPr>
-          <a:p>
-            <a:r>
-              <a:rPr lang="zh-CN" altLang="en-US"/>
-              <a:t>最外层为尺度循环迭代，内两层为图片像素点迭代，遍历当前层所有网格，逐步减小尺度，更新 XY 步长和图像边界，以便在下一个尺度级别上继续密集检测，根据掩码（</a:t>
-            </a:r>
-            <a:r>
-              <a:rPr lang="en-US" altLang="zh-CN"/>
-              <a:t>mask</a:t>
-            </a:r>
-            <a:r>
-              <a:rPr lang="zh-CN" altLang="en-US"/>
-              <a:t>）对特征点进一步过滤存储在</a:t>
-            </a:r>
-            <a:r>
-              <a:rPr lang="en-US" altLang="zh-CN"/>
-              <a:t>keypoints</a:t>
-            </a:r>
-            <a:r>
-              <a:rPr lang="zh-CN" altLang="en-US"/>
-              <a:t>中。</a:t>
-            </a:r>
-            <a:endParaRPr lang="zh-CN" altLang="en-US"/>
-          </a:p>
-        </p:txBody>
-      </p:sp>
-      <p:sp>
-        <p:nvSpPr>
-          <p:cNvPr id="6" name="稻壳儿原创设计师【幻雨工作室】_12"/>
-          <p:cNvSpPr/>
-          <p:nvPr>
-            <p:custDataLst>
-              <p:tags r:id="rId3"/>
-            </p:custDataLst>
-          </p:nvPr>
-        </p:nvSpPr>
-        <p:spPr>
-          <a:xfrm>
-            <a:off x="1309370" y="1031875"/>
-            <a:ext cx="1607820" cy="460375"/>
-          </a:xfrm>
-          <a:prstGeom prst="rect">
-            <a:avLst/>
-          </a:prstGeom>
-        </p:spPr>
-        <p:txBody>
-          <a:bodyPr wrap="square">
-            <a:spAutoFit/>
-          </a:bodyPr>
-          <a:p>
-            <a:pPr algn="ctr"/>
-            <a:r>
-              <a:rPr lang="en-US" altLang="zh-CN" sz="2400" dirty="0">
-                <a:solidFill>
-                  <a:schemeClr val="accent1"/>
-                </a:solidFill>
-                <a:latin typeface="Arial" panose="020B0604020202020204" pitchFamily="34" charset="0"/>
-                <a:cs typeface="Arial" panose="020B0604020202020204" pitchFamily="34" charset="0"/>
-              </a:rPr>
-              <a:t>Dense</a:t>
-            </a:r>
-            <a:endParaRPr lang="en-US" altLang="zh-CN" sz="2400" dirty="0">
-              <a:solidFill>
-                <a:schemeClr val="accent1"/>
-              </a:solidFill>
-              <a:latin typeface="Arial" panose="020B0604020202020204" pitchFamily="34" charset="0"/>
-              <a:cs typeface="Arial" panose="020B0604020202020204" pitchFamily="34" charset="0"/>
-            </a:endParaRPr>
-          </a:p>
-        </p:txBody>
-      </p:sp>
-      <p:pic>
-        <p:nvPicPr>
-          <p:cNvPr id="7" name="图片 6"/>
-          <p:cNvPicPr>
-            <a:picLocks noChangeAspect="1"/>
-          </p:cNvPicPr>
-          <p:nvPr>
-            <p:custDataLst>
-              <p:tags r:id="rId4"/>
-            </p:custDataLst>
-          </p:nvPr>
-        </p:nvPicPr>
-        <p:blipFill>
-          <a:blip r:embed="rId5"/>
-          <a:stretch>
-            <a:fillRect/>
-          </a:stretch>
-        </p:blipFill>
-        <p:spPr>
-          <a:xfrm>
-            <a:off x="591820" y="4638040"/>
-            <a:ext cx="5088255" cy="1724660"/>
-          </a:xfrm>
-          <a:prstGeom prst="rect">
-            <a:avLst/>
-          </a:prstGeom>
-        </p:spPr>
-      </p:pic>
-      <p:sp>
-        <p:nvSpPr>
-          <p:cNvPr id="8" name="文本框 7"/>
-          <p:cNvSpPr txBox="1"/>
-          <p:nvPr/>
-        </p:nvSpPr>
-        <p:spPr>
-          <a:xfrm>
-            <a:off x="5952490" y="4382135"/>
-            <a:ext cx="5760085" cy="2030095"/>
-          </a:xfrm>
-          <a:prstGeom prst="rect">
-            <a:avLst/>
-          </a:prstGeom>
-          <a:noFill/>
-        </p:spPr>
-        <p:txBody>
-          <a:bodyPr wrap="square" rtlCol="0" anchor="t">
-            <a:spAutoFit/>
-          </a:bodyPr>
-          <a:p>
-            <a:r>
-              <a:rPr lang="zh-CN" altLang="en-US"/>
-              <a:t>先设置一个低阈值（minThreshold）和高阈值（maxThreshold），用每一个阈值对图像进行二值化，得到一系列图像，对于每个二值图片查照这些图像的边，计算每一个轮廓的中心，将每一个二值图片的特征点放在一起，定义最小距离，在这个距离区域内的特征中心点归为一组，对应一个bolb特征，得到点的集合。估计最后的bolb特征和相应半径，返回keypoints。</a:t>
-            </a:r>
-            <a:endParaRPr lang="zh-CN" altLang="en-US"/>
-          </a:p>
-        </p:txBody>
-      </p:sp>
-    </p:spTree>
-  </p:cSld>
-  <p:clrMapOvr>
-    <a:masterClrMapping/>
-  </p:clrMapOvr>
-</p:sld>
-</file>
-
 <file path=ppt/slides/slide14.xml><?xml version="1.0" encoding="utf-8"?>
 <p:sld xmlns:a="http://schemas.openxmlformats.org/drawingml/2006/main" xmlns:r="http://schemas.openxmlformats.org/officeDocument/2006/relationships" xmlns:p="http://schemas.openxmlformats.org/presentationml/2006/main">
   <p:cSld>
@@ -3429,6 +3577,286 @@
           </a:p>
         </p:txBody>
       </p:sp>
+      <p:pic>
+        <p:nvPicPr>
+          <p:cNvPr id="3" name="图片 2"/>
+          <p:cNvPicPr>
+            <a:picLocks noChangeAspect="1"/>
+          </p:cNvPicPr>
+          <p:nvPr/>
+        </p:nvPicPr>
+        <p:blipFill>
+          <a:blip r:embed="rId1"/>
+          <a:stretch>
+            <a:fillRect/>
+          </a:stretch>
+        </p:blipFill>
+        <p:spPr>
+          <a:xfrm>
+            <a:off x="0" y="1565275"/>
+            <a:ext cx="7924800" cy="3760470"/>
+          </a:xfrm>
+          <a:prstGeom prst="rect">
+            <a:avLst/>
+          </a:prstGeom>
+        </p:spPr>
+      </p:pic>
+      <p:sp>
+        <p:nvSpPr>
+          <p:cNvPr id="5" name="文本框 4"/>
+          <p:cNvSpPr txBox="1"/>
+          <p:nvPr/>
+        </p:nvSpPr>
+        <p:spPr>
+          <a:xfrm>
+            <a:off x="8147685" y="1994535"/>
+            <a:ext cx="3959860" cy="2580005"/>
+          </a:xfrm>
+          <a:prstGeom prst="rect">
+            <a:avLst/>
+          </a:prstGeom>
+          <a:noFill/>
+        </p:spPr>
+        <p:txBody>
+          <a:bodyPr wrap="square" rtlCol="0" anchor="t">
+            <a:noAutofit/>
+          </a:bodyPr>
+          <a:p>
+            <a:r>
+              <a:rPr lang="zh-CN" altLang="en-US"/>
+              <a:t>最外层为尺度循环迭代，内两层为图片像素点迭代，遍历当前层所有网格，逐步减小尺度，更新 XY 步长和图像边界，以便在下一个尺度级别上继续密集检测，根据掩码（</a:t>
+            </a:r>
+            <a:r>
+              <a:rPr lang="en-US" altLang="zh-CN"/>
+              <a:t>mask</a:t>
+            </a:r>
+            <a:r>
+              <a:rPr lang="zh-CN" altLang="en-US"/>
+              <a:t>）对特征点进一步过滤存储在</a:t>
+            </a:r>
+            <a:r>
+              <a:rPr lang="en-US" altLang="zh-CN"/>
+              <a:t>keypoints</a:t>
+            </a:r>
+            <a:r>
+              <a:rPr lang="zh-CN" altLang="en-US"/>
+              <a:t>中。</a:t>
+            </a:r>
+            <a:endParaRPr lang="zh-CN" altLang="en-US"/>
+          </a:p>
+        </p:txBody>
+      </p:sp>
+      <p:sp>
+        <p:nvSpPr>
+          <p:cNvPr id="6" name="稻壳儿原创设计师【幻雨工作室】_12"/>
+          <p:cNvSpPr/>
+          <p:nvPr>
+            <p:custDataLst>
+              <p:tags r:id="rId2"/>
+            </p:custDataLst>
+          </p:nvPr>
+        </p:nvSpPr>
+        <p:spPr>
+          <a:xfrm>
+            <a:off x="1309370" y="1031875"/>
+            <a:ext cx="1607820" cy="460375"/>
+          </a:xfrm>
+          <a:prstGeom prst="rect">
+            <a:avLst/>
+          </a:prstGeom>
+        </p:spPr>
+        <p:txBody>
+          <a:bodyPr wrap="square">
+            <a:spAutoFit/>
+          </a:bodyPr>
+          <a:p>
+            <a:pPr algn="ctr"/>
+            <a:r>
+              <a:rPr lang="en-US" altLang="zh-CN" sz="2400" dirty="0">
+                <a:solidFill>
+                  <a:schemeClr val="accent1"/>
+                </a:solidFill>
+                <a:latin typeface="Arial" panose="020B0604020202020204" pitchFamily="34" charset="0"/>
+                <a:cs typeface="Arial" panose="020B0604020202020204" pitchFamily="34" charset="0"/>
+              </a:rPr>
+              <a:t>Dense</a:t>
+            </a:r>
+            <a:endParaRPr lang="en-US" altLang="zh-CN" sz="2400" dirty="0">
+              <a:solidFill>
+                <a:schemeClr val="accent1"/>
+              </a:solidFill>
+              <a:latin typeface="Arial" panose="020B0604020202020204" pitchFamily="34" charset="0"/>
+              <a:cs typeface="Arial" panose="020B0604020202020204" pitchFamily="34" charset="0"/>
+            </a:endParaRPr>
+          </a:p>
+        </p:txBody>
+      </p:sp>
+    </p:spTree>
+  </p:cSld>
+  <p:clrMapOvr>
+    <a:masterClrMapping/>
+  </p:clrMapOvr>
+</p:sld>
+</file>
+
+<file path=ppt/slides/slide15.xml><?xml version="1.0" encoding="utf-8"?>
+<p:sld xmlns:a="http://schemas.openxmlformats.org/drawingml/2006/main" xmlns:r="http://schemas.openxmlformats.org/officeDocument/2006/relationships" xmlns:p="http://schemas.openxmlformats.org/presentationml/2006/main">
+  <p:cSld>
+    <p:spTree>
+      <p:nvGrpSpPr>
+        <p:cNvPr id="1" name=""/>
+        <p:cNvGrpSpPr/>
+        <p:nvPr/>
+      </p:nvGrpSpPr>
+      <p:grpSpPr>
+        <a:xfrm>
+          <a:off x="0" y="0"/>
+          <a:ext cx="0" cy="0"/>
+          <a:chOff x="0" y="0"/>
+          <a:chExt cx="0" cy="0"/>
+        </a:xfrm>
+      </p:grpSpPr>
+      <p:sp>
+        <p:nvSpPr>
+          <p:cNvPr id="4" name="稻壳儿原创设计师【幻雨工作室】_1"/>
+          <p:cNvSpPr txBox="1"/>
+          <p:nvPr/>
+        </p:nvSpPr>
+        <p:spPr>
+          <a:xfrm>
+            <a:off x="1252855" y="509905"/>
+            <a:ext cx="7688580" cy="521970"/>
+          </a:xfrm>
+          <a:prstGeom prst="rect">
+            <a:avLst/>
+          </a:prstGeom>
+          <a:noFill/>
+        </p:spPr>
+        <p:txBody>
+          <a:bodyPr wrap="square" rtlCol="0">
+            <a:spAutoFit/>
+          </a:bodyPr>
+          <a:lstStyle/>
+          <a:p>
+            <a:pPr algn="l" defTabSz="685800"/>
+            <a:r>
+              <a:rPr lang="en-US" altLang="zh-CN" sz="2800" dirty="0">
+                <a:solidFill>
+                  <a:schemeClr val="accent1"/>
+                </a:solidFill>
+                <a:latin typeface="微软雅黑" panose="020B0503020204020204" pitchFamily="34" charset="-122"/>
+                <a:ea typeface="微软雅黑" panose="020B0503020204020204" pitchFamily="34" charset="-122"/>
+              </a:rPr>
+              <a:t>04.</a:t>
+            </a:r>
+            <a:r>
+              <a:rPr lang="en-US" altLang="zh-CN" sz="2800" dirty="0">
+                <a:solidFill>
+                  <a:schemeClr val="tx1">
+                    <a:lumMod val="75000"/>
+                    <a:lumOff val="25000"/>
+                  </a:schemeClr>
+                </a:solidFill>
+                <a:latin typeface="微软雅黑" panose="020B0503020204020204" pitchFamily="34" charset="-122"/>
+                <a:ea typeface="微软雅黑" panose="020B0503020204020204" pitchFamily="34" charset="-122"/>
+                <a:sym typeface="+mn-ea"/>
+              </a:rPr>
+              <a:t>FeatureDetector</a:t>
+            </a:r>
+            <a:r>
+              <a:rPr lang="zh-CN" altLang="en-US" sz="2800" dirty="0">
+                <a:solidFill>
+                  <a:schemeClr val="tx1">
+                    <a:lumMod val="75000"/>
+                    <a:lumOff val="25000"/>
+                  </a:schemeClr>
+                </a:solidFill>
+                <a:latin typeface="微软雅黑" panose="020B0503020204020204" pitchFamily="34" charset="-122"/>
+                <a:ea typeface="微软雅黑" panose="020B0503020204020204" pitchFamily="34" charset="-122"/>
+                <a:sym typeface="+mn-ea"/>
+              </a:rPr>
+              <a:t>子类</a:t>
+            </a:r>
+            <a:r>
+              <a:rPr lang="en-US" altLang="zh-CN" sz="2800" dirty="0">
+                <a:solidFill>
+                  <a:schemeClr val="tx1">
+                    <a:lumMod val="75000"/>
+                    <a:lumOff val="25000"/>
+                  </a:schemeClr>
+                </a:solidFill>
+                <a:latin typeface="微软雅黑" panose="020B0503020204020204" pitchFamily="34" charset="-122"/>
+                <a:ea typeface="微软雅黑" panose="020B0503020204020204" pitchFamily="34" charset="-122"/>
+                <a:sym typeface="+mn-ea"/>
+              </a:rPr>
+              <a:t>(</a:t>
+            </a:r>
+            <a:r>
+              <a:rPr lang="zh-CN" altLang="en-US" sz="2800" dirty="0">
+                <a:solidFill>
+                  <a:schemeClr val="tx1">
+                    <a:lumMod val="75000"/>
+                    <a:lumOff val="25000"/>
+                  </a:schemeClr>
+                </a:solidFill>
+                <a:latin typeface="微软雅黑" panose="020B0503020204020204" pitchFamily="34" charset="-122"/>
+                <a:ea typeface="微软雅黑" panose="020B0503020204020204" pitchFamily="34" charset="-122"/>
+                <a:sym typeface="+mn-ea"/>
+              </a:rPr>
+              <a:t>抽象策略</a:t>
+            </a:r>
+            <a:r>
+              <a:rPr lang="en-US" altLang="zh-CN" sz="2800" dirty="0">
+                <a:solidFill>
+                  <a:schemeClr val="tx1">
+                    <a:lumMod val="75000"/>
+                    <a:lumOff val="25000"/>
+                  </a:schemeClr>
+                </a:solidFill>
+                <a:latin typeface="微软雅黑" panose="020B0503020204020204" pitchFamily="34" charset="-122"/>
+                <a:ea typeface="微软雅黑" panose="020B0503020204020204" pitchFamily="34" charset="-122"/>
+                <a:sym typeface="+mn-ea"/>
+              </a:rPr>
+              <a:t>)</a:t>
+            </a:r>
+            <a:r>
+              <a:rPr lang="zh-CN" altLang="en-US" sz="2800" dirty="0">
+                <a:solidFill>
+                  <a:schemeClr val="tx1">
+                    <a:lumMod val="75000"/>
+                    <a:lumOff val="25000"/>
+                  </a:schemeClr>
+                </a:solidFill>
+                <a:latin typeface="微软雅黑" panose="020B0503020204020204" pitchFamily="34" charset="-122"/>
+                <a:ea typeface="微软雅黑" panose="020B0503020204020204" pitchFamily="34" charset="-122"/>
+                <a:sym typeface="+mn-ea"/>
+              </a:rPr>
+              <a:t>介绍</a:t>
+            </a:r>
+            <a:r>
+              <a:rPr lang="en-US" altLang="zh-CN" sz="1600" dirty="0">
+                <a:solidFill>
+                  <a:schemeClr val="accent1"/>
+                </a:solidFill>
+                <a:latin typeface="微软雅黑 Light" panose="020B0502040204020203" pitchFamily="34" charset="-122"/>
+                <a:ea typeface="微软雅黑 Light" panose="020B0502040204020203" pitchFamily="34" charset="-122"/>
+                <a:cs typeface="Arial" panose="020B0604020202020204" pitchFamily="34" charset="0"/>
+                <a:sym typeface="Arial" panose="020B0604020202020204" pitchFamily="34" charset="0"/>
+              </a:rPr>
+              <a:t>Part4</a:t>
+            </a:r>
+            <a:endParaRPr lang="zh-CN" altLang="en-US" sz="1600" dirty="0">
+              <a:solidFill>
+                <a:schemeClr val="accent1"/>
+              </a:solidFill>
+              <a:latin typeface="微软雅黑 Light" panose="020B0502040204020203" pitchFamily="34" charset="-122"/>
+              <a:ea typeface="微软雅黑 Light" panose="020B0502040204020203" pitchFamily="34" charset="-122"/>
+              <a:cs typeface="Arial" panose="020B0604020202020204" pitchFamily="34" charset="0"/>
+              <a:sym typeface="Arial" panose="020B0604020202020204" pitchFamily="34" charset="0"/>
+            </a:endParaRPr>
+          </a:p>
+        </p:txBody>
+      </p:sp>
       <p:sp>
         <p:nvSpPr>
           <p:cNvPr id="2" name="稻壳儿原创设计师【幻雨工作室】_12"/>
@@ -3441,7 +3869,7 @@
         </p:nvSpPr>
         <p:spPr>
           <a:xfrm>
-            <a:off x="977265" y="1031875"/>
+            <a:off x="977265" y="973455"/>
             <a:ext cx="2448560" cy="460375"/>
           </a:xfrm>
           <a:prstGeom prst="rect">
@@ -3482,8 +3910,8 @@
         </p:nvSpPr>
         <p:spPr>
           <a:xfrm>
-            <a:off x="8556625" y="1834515"/>
-            <a:ext cx="3578860" cy="3820795"/>
+            <a:off x="8484235" y="1754505"/>
+            <a:ext cx="3651250" cy="3900805"/>
           </a:xfrm>
           <a:prstGeom prst="rect">
             <a:avLst/>
@@ -3539,7 +3967,7 @@
 </p:sld>
 </file>
 
-<file path=ppt/slides/slide15.xml><?xml version="1.0" encoding="utf-8"?>
+<file path=ppt/slides/slide16.xml><?xml version="1.0" encoding="utf-8"?>
 <p:sld xmlns:a="http://schemas.openxmlformats.org/drawingml/2006/main" xmlns:r="http://schemas.openxmlformats.org/officeDocument/2006/relationships" xmlns:p="http://schemas.openxmlformats.org/presentationml/2006/main">
   <p:cSld>
     <p:spTree>
@@ -9369,7 +9797,7 @@
                 <a:latin typeface="Arial" panose="020B0604020202020204" pitchFamily="34" charset="0"/>
                 <a:cs typeface="Arial" panose="020B0604020202020204" pitchFamily="34" charset="0"/>
               </a:rPr>
-              <a:t>它轻量级而且高效——由一系列 C 函数和少量 C++ 类构成</a:t>
+              <a:t>它轻量而且高效——由一系列 C 函数和 C++ 类构成</a:t>
             </a:r>
             <a:r>
               <a:rPr lang="zh-CN" altLang="en-US" sz="1600" dirty="0">
@@ -10222,14 +10650,14 @@
       </p:grpSpPr>
       <p:sp>
         <p:nvSpPr>
-          <p:cNvPr id="2" name="稻壳儿原创设计师【幻雨工作室】_1"/>
+          <p:cNvPr id="3" name="稻壳儿原创设计师【幻雨工作室】_1"/>
           <p:cNvSpPr txBox="1"/>
           <p:nvPr/>
         </p:nvSpPr>
         <p:spPr>
           <a:xfrm>
-            <a:off x="4942675" y="2890391"/>
-            <a:ext cx="4585970" cy="1691640"/>
+            <a:off x="1252754" y="510038"/>
+            <a:ext cx="4620895" cy="521970"/>
           </a:xfrm>
           <a:prstGeom prst="rect">
             <a:avLst/>
@@ -10244,7 +10672,18 @@
           <a:p>
             <a:pPr algn="l" defTabSz="685800"/>
             <a:r>
-              <a:rPr lang="en-US" altLang="zh-CN" sz="4000" dirty="0">
+              <a:rPr lang="en-US" altLang="zh-CN" sz="2800" dirty="0">
+                <a:solidFill>
+                  <a:schemeClr val="accent1"/>
+                </a:solidFill>
+                <a:latin typeface="微软雅黑" panose="020B0503020204020204" pitchFamily="34" charset="-122"/>
+                <a:ea typeface="微软雅黑" panose="020B0503020204020204" pitchFamily="34" charset="-122"/>
+                <a:cs typeface="Arial" panose="020B0604020202020204" pitchFamily="34" charset="0"/>
+              </a:rPr>
+              <a:t>03.</a:t>
+            </a:r>
+            <a:r>
+              <a:rPr lang="en-US" altLang="zh-CN" sz="2800" dirty="0">
                 <a:solidFill>
                   <a:schemeClr val="tx1">
                     <a:lumMod val="75000"/>
@@ -10257,8 +10696,8 @@
               </a:rPr>
               <a:t>FeatureDetector</a:t>
             </a:r>
-            <a:br>
-              <a:rPr lang="en-US" altLang="zh-CN" sz="4000" dirty="0">
+            <a:r>
+              <a:rPr lang="zh-CN" altLang="en-US" sz="2800" dirty="0">
                 <a:solidFill>
                   <a:schemeClr val="tx1">
                     <a:lumMod val="75000"/>
@@ -10269,461 +10708,118 @@
                 <a:ea typeface="微软雅黑" panose="020B0503020204020204" pitchFamily="34" charset="-122"/>
                 <a:sym typeface="+mn-ea"/>
               </a:rPr>
-            </a:br>
-            <a:r>
-              <a:rPr lang="zh-CN" altLang="en-US" sz="4000" dirty="0">
+              <a:t>类图</a:t>
+            </a:r>
+            <a:r>
+              <a:rPr lang="en-US" altLang="zh-CN" sz="1600" dirty="0">
+                <a:solidFill>
+                  <a:schemeClr val="accent1"/>
+                </a:solidFill>
+                <a:latin typeface="微软雅黑 Light" panose="020B0502040204020203" pitchFamily="34" charset="-122"/>
+                <a:ea typeface="微软雅黑 Light" panose="020B0502040204020203" pitchFamily="34" charset="-122"/>
+                <a:cs typeface="Arial" panose="020B0604020202020204" pitchFamily="34" charset="0"/>
+              </a:rPr>
+              <a:t>Part3</a:t>
+            </a:r>
+            <a:endParaRPr lang="zh-CN" altLang="en-US" sz="1600" dirty="0">
+              <a:solidFill>
+                <a:schemeClr val="accent1"/>
+              </a:solidFill>
+              <a:latin typeface="微软雅黑 Light" panose="020B0502040204020203" pitchFamily="34" charset="-122"/>
+              <a:ea typeface="微软雅黑 Light" panose="020B0502040204020203" pitchFamily="34" charset="-122"/>
+              <a:cs typeface="Arial" panose="020B0604020202020204" pitchFamily="34" charset="0"/>
+            </a:endParaRPr>
+          </a:p>
+        </p:txBody>
+      </p:sp>
+      <p:sp>
+        <p:nvSpPr>
+          <p:cNvPr id="41" name="稻壳儿原创设计师【幻雨工作室】_11"/>
+          <p:cNvSpPr/>
+          <p:nvPr/>
+        </p:nvSpPr>
+        <p:spPr>
+          <a:xfrm>
+            <a:off x="9688195" y="1165225"/>
+            <a:ext cx="2400935" cy="6510655"/>
+          </a:xfrm>
+          <a:prstGeom prst="rect">
+            <a:avLst/>
+          </a:prstGeom>
+        </p:spPr>
+        <p:txBody>
+          <a:bodyPr wrap="square">
+            <a:noAutofit/>
+          </a:bodyPr>
+          <a:lstStyle/>
+          <a:p>
+            <a:pPr indent="457200" algn="l">
+              <a:lnSpc>
+                <a:spcPct val="150000"/>
+              </a:lnSpc>
+            </a:pPr>
+            <a:r>
+              <a:rPr dirty="0">
+                <a:latin typeface="Arial" panose="020B0604020202020204" pitchFamily="34" charset="0"/>
+                <a:ea typeface="宋体" panose="02010600030101010101" pitchFamily="2" charset="-122"/>
+                <a:cs typeface="Arial" panose="020B0604020202020204" pitchFamily="34" charset="0"/>
+              </a:rPr>
+              <a:t>每一个具体子类实现了 FeatureDetector 基类中定义的抽象方法，即 detect 方法和 detectImpl 方法。以提供特定的特征检测算法。这些具体策略角色包装了相关的算法或行为，实现了特定的特征检测操作。</a:t>
+            </a:r>
+            <a:r>
+              <a:rPr lang="zh-CN" altLang="en-US" sz="2000" dirty="0">
                 <a:solidFill>
                   <a:schemeClr val="tx1">
                     <a:lumMod val="75000"/>
                     <a:lumOff val="25000"/>
                   </a:schemeClr>
                 </a:solidFill>
-                <a:latin typeface="微软雅黑" panose="020B0503020204020204" pitchFamily="34" charset="-122"/>
-                <a:ea typeface="微软雅黑" panose="020B0503020204020204" pitchFamily="34" charset="-122"/>
-                <a:sym typeface="+mn-ea"/>
-              </a:rPr>
-              <a:t>子类</a:t>
-            </a:r>
-            <a:r>
-              <a:rPr lang="en-US" altLang="zh-CN" sz="4000" dirty="0">
-                <a:solidFill>
-                  <a:schemeClr val="tx1">
-                    <a:lumMod val="75000"/>
-                    <a:lumOff val="25000"/>
-                  </a:schemeClr>
-                </a:solidFill>
-                <a:latin typeface="微软雅黑" panose="020B0503020204020204" pitchFamily="34" charset="-122"/>
-                <a:ea typeface="微软雅黑" panose="020B0503020204020204" pitchFamily="34" charset="-122"/>
-                <a:sym typeface="+mn-ea"/>
-              </a:rPr>
-              <a:t>(</a:t>
-            </a:r>
-            <a:r>
-              <a:rPr lang="zh-CN" altLang="en-US" sz="4000" dirty="0">
-                <a:solidFill>
-                  <a:schemeClr val="tx1">
-                    <a:lumMod val="75000"/>
-                    <a:lumOff val="25000"/>
-                  </a:schemeClr>
-                </a:solidFill>
-                <a:latin typeface="微软雅黑" panose="020B0503020204020204" pitchFamily="34" charset="-122"/>
-                <a:ea typeface="微软雅黑" panose="020B0503020204020204" pitchFamily="34" charset="-122"/>
-                <a:sym typeface="+mn-ea"/>
-              </a:rPr>
-              <a:t>抽象策略</a:t>
-            </a:r>
-            <a:r>
-              <a:rPr lang="en-US" altLang="zh-CN" sz="4000" dirty="0">
-                <a:solidFill>
-                  <a:schemeClr val="tx1">
-                    <a:lumMod val="75000"/>
-                    <a:lumOff val="25000"/>
-                  </a:schemeClr>
-                </a:solidFill>
-                <a:latin typeface="微软雅黑" panose="020B0503020204020204" pitchFamily="34" charset="-122"/>
-                <a:ea typeface="微软雅黑" panose="020B0503020204020204" pitchFamily="34" charset="-122"/>
-                <a:sym typeface="+mn-ea"/>
-              </a:rPr>
-              <a:t>)</a:t>
-            </a:r>
-            <a:r>
-              <a:rPr lang="zh-CN" altLang="en-US" sz="4000" dirty="0">
-                <a:solidFill>
-                  <a:schemeClr val="tx1">
-                    <a:lumMod val="75000"/>
-                    <a:lumOff val="25000"/>
-                  </a:schemeClr>
-                </a:solidFill>
-                <a:latin typeface="微软雅黑" panose="020B0503020204020204" pitchFamily="34" charset="-122"/>
-                <a:ea typeface="微软雅黑" panose="020B0503020204020204" pitchFamily="34" charset="-122"/>
-                <a:sym typeface="+mn-ea"/>
-              </a:rPr>
-              <a:t>介绍</a:t>
-            </a:r>
-            <a:endParaRPr lang="zh-CN" altLang="en-US" sz="4000" dirty="0">
+                <a:latin typeface="Arial" panose="020B0604020202020204" pitchFamily="34" charset="0"/>
+                <a:cs typeface="Arial" panose="020B0604020202020204" pitchFamily="34" charset="0"/>
+              </a:rPr>
+              <a:t> </a:t>
+            </a:r>
+            <a:endParaRPr lang="zh-CN" altLang="en-US" sz="2000" dirty="0">
               <a:solidFill>
                 <a:schemeClr val="tx1">
                   <a:lumMod val="75000"/>
                   <a:lumOff val="25000"/>
                 </a:schemeClr>
               </a:solidFill>
-              <a:latin typeface="微软雅黑" panose="020B0503020204020204" pitchFamily="34" charset="-122"/>
-              <a:ea typeface="微软雅黑" panose="020B0503020204020204" pitchFamily="34" charset="-122"/>
-              <a:sym typeface="+mn-ea"/>
-            </a:endParaRPr>
-          </a:p>
-          <a:p>
-            <a:pPr algn="l" defTabSz="685800"/>
-            <a:r>
-              <a:rPr lang="en-US" altLang="zh-CN" sz="2400" dirty="0">
-                <a:solidFill>
-                  <a:schemeClr val="tx1">
-                    <a:lumMod val="65000"/>
-                    <a:lumOff val="35000"/>
-                  </a:schemeClr>
-                </a:solidFill>
-                <a:latin typeface="微软雅黑 Light" panose="020B0502040204020203" pitchFamily="34" charset="-122"/>
-                <a:ea typeface="微软雅黑 Light" panose="020B0502040204020203" pitchFamily="34" charset="-122"/>
-                <a:cs typeface="Arial" panose="020B0604020202020204" pitchFamily="34" charset="0"/>
-                <a:sym typeface="Arial" panose="020B0604020202020204" pitchFamily="34" charset="0"/>
-              </a:rPr>
-              <a:t>Part4</a:t>
-            </a:r>
-            <a:endParaRPr lang="en-US" altLang="zh-CN" sz="2400" dirty="0">
-              <a:solidFill>
-                <a:schemeClr val="tx1">
-                  <a:lumMod val="65000"/>
-                  <a:lumOff val="35000"/>
-                </a:schemeClr>
-              </a:solidFill>
-              <a:latin typeface="微软雅黑 Light" panose="020B0502040204020203" pitchFamily="34" charset="-122"/>
-              <a:ea typeface="微软雅黑 Light" panose="020B0502040204020203" pitchFamily="34" charset="-122"/>
+              <a:latin typeface="Arial" panose="020B0604020202020204" pitchFamily="34" charset="0"/>
               <a:cs typeface="Arial" panose="020B0604020202020204" pitchFamily="34" charset="0"/>
-              <a:sym typeface="Arial" panose="020B0604020202020204" pitchFamily="34" charset="0"/>
             </a:endParaRPr>
           </a:p>
         </p:txBody>
       </p:sp>
-      <p:sp>
-        <p:nvSpPr>
-          <p:cNvPr id="3" name="稻壳儿原创设计师【幻雨工作室】_2"/>
-          <p:cNvSpPr>
-            <a:spLocks noChangeArrowheads="1"/>
-          </p:cNvSpPr>
-          <p:nvPr/>
-        </p:nvSpPr>
-        <p:spPr bwMode="auto">
+      <p:pic>
+        <p:nvPicPr>
+          <p:cNvPr id="4" name="图片 3"/>
+          <p:cNvPicPr>
+            <a:picLocks noChangeAspect="1"/>
+          </p:cNvPicPr>
+          <p:nvPr>
+            <p:custDataLst>
+              <p:tags r:id="rId1"/>
+            </p:custDataLst>
+          </p:nvPr>
+        </p:nvPicPr>
+        <p:blipFill>
+          <a:blip r:embed="rId2"/>
+          <a:stretch>
+            <a:fillRect/>
+          </a:stretch>
+        </p:blipFill>
+        <p:spPr>
           <a:xfrm>
-            <a:off x="3473933" y="2777576"/>
-            <a:ext cx="1306286" cy="1302848"/>
-          </a:xfrm>
-          <a:prstGeom prst="ellipse">
-            <a:avLst/>
-          </a:prstGeom>
-          <a:solidFill>
-            <a:schemeClr val="accent1"/>
-          </a:solidFill>
-          <a:ln w="76200">
-            <a:noFill/>
-          </a:ln>
-        </p:spPr>
-        <p:txBody>
-          <a:bodyPr/>
-          <a:lstStyle>
-            <a:defPPr>
-              <a:defRPr lang="zh-CN"/>
-            </a:defPPr>
-            <a:lvl1pPr algn="l" rtl="0" fontAlgn="base">
-              <a:spcBef>
-                <a:spcPct val="0"/>
-              </a:spcBef>
-              <a:spcAft>
-                <a:spcPct val="0"/>
-              </a:spcAft>
-              <a:buFont typeface="Arial" panose="020B0604020202020204" pitchFamily="34" charset="0"/>
-              <a:defRPr kern="1200">
-                <a:solidFill>
-                  <a:schemeClr val="tx1"/>
-                </a:solidFill>
-                <a:latin typeface="Arial" panose="020B0604020202020204" pitchFamily="34" charset="0"/>
-                <a:ea typeface="宋体" panose="02010600030101010101" pitchFamily="2" charset="-122"/>
-                <a:cs typeface="+mn-cs"/>
-              </a:defRPr>
-            </a:lvl1pPr>
-            <a:lvl2pPr marL="457200" algn="l" rtl="0" fontAlgn="base">
-              <a:spcBef>
-                <a:spcPct val="0"/>
-              </a:spcBef>
-              <a:spcAft>
-                <a:spcPct val="0"/>
-              </a:spcAft>
-              <a:buFont typeface="Arial" panose="020B0604020202020204" pitchFamily="34" charset="0"/>
-              <a:defRPr kern="1200">
-                <a:solidFill>
-                  <a:schemeClr val="tx1"/>
-                </a:solidFill>
-                <a:latin typeface="Arial" panose="020B0604020202020204" pitchFamily="34" charset="0"/>
-                <a:ea typeface="宋体" panose="02010600030101010101" pitchFamily="2" charset="-122"/>
-                <a:cs typeface="+mn-cs"/>
-              </a:defRPr>
-            </a:lvl2pPr>
-            <a:lvl3pPr marL="914400" algn="l" rtl="0" fontAlgn="base">
-              <a:spcBef>
-                <a:spcPct val="0"/>
-              </a:spcBef>
-              <a:spcAft>
-                <a:spcPct val="0"/>
-              </a:spcAft>
-              <a:buFont typeface="Arial" panose="020B0604020202020204" pitchFamily="34" charset="0"/>
-              <a:defRPr kern="1200">
-                <a:solidFill>
-                  <a:schemeClr val="tx1"/>
-                </a:solidFill>
-                <a:latin typeface="Arial" panose="020B0604020202020204" pitchFamily="34" charset="0"/>
-                <a:ea typeface="宋体" panose="02010600030101010101" pitchFamily="2" charset="-122"/>
-                <a:cs typeface="+mn-cs"/>
-              </a:defRPr>
-            </a:lvl3pPr>
-            <a:lvl4pPr marL="1371600" algn="l" rtl="0" fontAlgn="base">
-              <a:spcBef>
-                <a:spcPct val="0"/>
-              </a:spcBef>
-              <a:spcAft>
-                <a:spcPct val="0"/>
-              </a:spcAft>
-              <a:buFont typeface="Arial" panose="020B0604020202020204" pitchFamily="34" charset="0"/>
-              <a:defRPr kern="1200">
-                <a:solidFill>
-                  <a:schemeClr val="tx1"/>
-                </a:solidFill>
-                <a:latin typeface="Arial" panose="020B0604020202020204" pitchFamily="34" charset="0"/>
-                <a:ea typeface="宋体" panose="02010600030101010101" pitchFamily="2" charset="-122"/>
-                <a:cs typeface="+mn-cs"/>
-              </a:defRPr>
-            </a:lvl4pPr>
-            <a:lvl5pPr marL="1828800" algn="l" rtl="0" fontAlgn="base">
-              <a:spcBef>
-                <a:spcPct val="0"/>
-              </a:spcBef>
-              <a:spcAft>
-                <a:spcPct val="0"/>
-              </a:spcAft>
-              <a:buFont typeface="Arial" panose="020B0604020202020204" pitchFamily="34" charset="0"/>
-              <a:defRPr kern="1200">
-                <a:solidFill>
-                  <a:schemeClr val="tx1"/>
-                </a:solidFill>
-                <a:latin typeface="Arial" panose="020B0604020202020204" pitchFamily="34" charset="0"/>
-                <a:ea typeface="宋体" panose="02010600030101010101" pitchFamily="2" charset="-122"/>
-                <a:cs typeface="+mn-cs"/>
-              </a:defRPr>
-            </a:lvl5pPr>
-            <a:lvl6pPr marL="2286000" algn="l" defTabSz="914400" rtl="0" eaLnBrk="1" latinLnBrk="0" hangingPunct="1">
-              <a:defRPr kern="1200">
-                <a:solidFill>
-                  <a:schemeClr val="tx1"/>
-                </a:solidFill>
-                <a:latin typeface="Arial" panose="020B0604020202020204" pitchFamily="34" charset="0"/>
-                <a:ea typeface="宋体" panose="02010600030101010101" pitchFamily="2" charset="-122"/>
-                <a:cs typeface="+mn-cs"/>
-              </a:defRPr>
-            </a:lvl6pPr>
-            <a:lvl7pPr marL="2743200" algn="l" defTabSz="914400" rtl="0" eaLnBrk="1" latinLnBrk="0" hangingPunct="1">
-              <a:defRPr kern="1200">
-                <a:solidFill>
-                  <a:schemeClr val="tx1"/>
-                </a:solidFill>
-                <a:latin typeface="Arial" panose="020B0604020202020204" pitchFamily="34" charset="0"/>
-                <a:ea typeface="宋体" panose="02010600030101010101" pitchFamily="2" charset="-122"/>
-                <a:cs typeface="+mn-cs"/>
-              </a:defRPr>
-            </a:lvl7pPr>
-            <a:lvl8pPr marL="3200400" algn="l" defTabSz="914400" rtl="0" eaLnBrk="1" latinLnBrk="0" hangingPunct="1">
-              <a:defRPr kern="1200">
-                <a:solidFill>
-                  <a:schemeClr val="tx1"/>
-                </a:solidFill>
-                <a:latin typeface="Arial" panose="020B0604020202020204" pitchFamily="34" charset="0"/>
-                <a:ea typeface="宋体" panose="02010600030101010101" pitchFamily="2" charset="-122"/>
-                <a:cs typeface="+mn-cs"/>
-              </a:defRPr>
-            </a:lvl8pPr>
-            <a:lvl9pPr marL="3657600" algn="l" defTabSz="914400" rtl="0" eaLnBrk="1" latinLnBrk="0" hangingPunct="1">
-              <a:defRPr kern="1200">
-                <a:solidFill>
-                  <a:schemeClr val="tx1"/>
-                </a:solidFill>
-                <a:latin typeface="Arial" panose="020B0604020202020204" pitchFamily="34" charset="0"/>
-                <a:ea typeface="宋体" panose="02010600030101010101" pitchFamily="2" charset="-122"/>
-                <a:cs typeface="+mn-cs"/>
-              </a:defRPr>
-            </a:lvl9pPr>
-          </a:lstStyle>
-          <a:p>
-            <a:pPr eaLnBrk="1" hangingPunct="1">
-              <a:buFontTx/>
-              <a:buNone/>
-            </a:pPr>
-            <a:endParaRPr lang="zh-CN" altLang="en-US" sz="2000" dirty="0">
-              <a:solidFill>
-                <a:srgbClr val="7AABA6"/>
-              </a:solidFill>
-              <a:latin typeface="微软雅黑 Light" panose="020B0502040204020203" pitchFamily="34" charset="-122"/>
-              <a:ea typeface="微软雅黑 Light" panose="020B0502040204020203" pitchFamily="34" charset="-122"/>
-            </a:endParaRPr>
-          </a:p>
-        </p:txBody>
-      </p:sp>
-      <p:sp>
-        <p:nvSpPr>
-          <p:cNvPr id="4" name="稻壳儿原创设计师【幻雨工作室】_3"/>
-          <p:cNvSpPr txBox="1">
-            <a:spLocks noChangeArrowheads="1"/>
-          </p:cNvSpPr>
-          <p:nvPr/>
-        </p:nvSpPr>
-        <p:spPr bwMode="auto">
-          <a:xfrm>
-            <a:off x="3496539" y="2967335"/>
-            <a:ext cx="1261075" cy="923330"/>
+            <a:off x="880110" y="1572895"/>
+            <a:ext cx="8808085" cy="4064000"/>
           </a:xfrm>
           <a:prstGeom prst="rect">
             <a:avLst/>
           </a:prstGeom>
-          <a:noFill/>
-          <a:ln>
-            <a:noFill/>
-          </a:ln>
-          <a:extLst>
-            <a:ext uri="{909E8E84-426E-40DD-AFC4-6F175D3DCCD1}">
-              <a14:hiddenFill xmlns:a14="http://schemas.microsoft.com/office/drawing/2010/main">
-                <a:solidFill>
-                  <a:srgbClr val="FFFFFF"/>
-                </a:solidFill>
-              </a14:hiddenFill>
-            </a:ext>
-            <a:ext uri="{91240B29-F687-4F45-9708-019B960494DF}">
-              <a14:hiddenLine xmlns:a14="http://schemas.microsoft.com/office/drawing/2010/main" w="9525">
-                <a:solidFill>
-                  <a:srgbClr val="000000"/>
-                </a:solidFill>
-                <a:miter lim="800000"/>
-                <a:headEnd/>
-                <a:tailEnd/>
-              </a14:hiddenLine>
-            </a:ext>
-          </a:extLst>
         </p:spPr>
-        <p:txBody>
-          <a:bodyPr wrap="square">
-            <a:spAutoFit/>
-          </a:bodyPr>
-          <a:lstStyle>
-            <a:defPPr>
-              <a:defRPr lang="zh-CN"/>
-            </a:defPPr>
-            <a:lvl1pPr marL="0" algn="l" defTabSz="914400" rtl="0" eaLnBrk="1" latinLnBrk="0" hangingPunct="1">
-              <a:defRPr sz="1800" kern="1200">
-                <a:solidFill>
-                  <a:schemeClr val="tx1"/>
-                </a:solidFill>
-                <a:latin typeface="+mn-lt"/>
-                <a:ea typeface="+mn-ea"/>
-                <a:cs typeface="+mn-cs"/>
-              </a:defRPr>
-            </a:lvl1pPr>
-            <a:lvl2pPr marL="457200" algn="l" defTabSz="914400" rtl="0" eaLnBrk="1" latinLnBrk="0" hangingPunct="1">
-              <a:defRPr sz="1800" kern="1200">
-                <a:solidFill>
-                  <a:schemeClr val="tx1"/>
-                </a:solidFill>
-                <a:latin typeface="+mn-lt"/>
-                <a:ea typeface="+mn-ea"/>
-                <a:cs typeface="+mn-cs"/>
-              </a:defRPr>
-            </a:lvl2pPr>
-            <a:lvl3pPr marL="914400" algn="l" defTabSz="914400" rtl="0" eaLnBrk="1" latinLnBrk="0" hangingPunct="1">
-              <a:defRPr sz="1800" kern="1200">
-                <a:solidFill>
-                  <a:schemeClr val="tx1"/>
-                </a:solidFill>
-                <a:latin typeface="+mn-lt"/>
-                <a:ea typeface="+mn-ea"/>
-                <a:cs typeface="+mn-cs"/>
-              </a:defRPr>
-            </a:lvl3pPr>
-            <a:lvl4pPr marL="1371600" algn="l" defTabSz="914400" rtl="0" eaLnBrk="1" latinLnBrk="0" hangingPunct="1">
-              <a:defRPr sz="1800" kern="1200">
-                <a:solidFill>
-                  <a:schemeClr val="tx1"/>
-                </a:solidFill>
-                <a:latin typeface="+mn-lt"/>
-                <a:ea typeface="+mn-ea"/>
-                <a:cs typeface="+mn-cs"/>
-              </a:defRPr>
-            </a:lvl4pPr>
-            <a:lvl5pPr marL="1828800" algn="l" defTabSz="914400" rtl="0" eaLnBrk="1" latinLnBrk="0" hangingPunct="1">
-              <a:defRPr sz="1800" kern="1200">
-                <a:solidFill>
-                  <a:schemeClr val="tx1"/>
-                </a:solidFill>
-                <a:latin typeface="+mn-lt"/>
-                <a:ea typeface="+mn-ea"/>
-                <a:cs typeface="+mn-cs"/>
-              </a:defRPr>
-            </a:lvl5pPr>
-            <a:lvl6pPr marL="2286000" algn="l" defTabSz="914400" rtl="0" eaLnBrk="1" latinLnBrk="0" hangingPunct="1">
-              <a:defRPr sz="1800" kern="1200">
-                <a:solidFill>
-                  <a:schemeClr val="tx1"/>
-                </a:solidFill>
-                <a:latin typeface="+mn-lt"/>
-                <a:ea typeface="+mn-ea"/>
-                <a:cs typeface="+mn-cs"/>
-              </a:defRPr>
-            </a:lvl6pPr>
-            <a:lvl7pPr marL="2743200" algn="l" defTabSz="914400" rtl="0" eaLnBrk="1" latinLnBrk="0" hangingPunct="1">
-              <a:defRPr sz="1800" kern="1200">
-                <a:solidFill>
-                  <a:schemeClr val="tx1"/>
-                </a:solidFill>
-                <a:latin typeface="+mn-lt"/>
-                <a:ea typeface="+mn-ea"/>
-                <a:cs typeface="+mn-cs"/>
-              </a:defRPr>
-            </a:lvl7pPr>
-            <a:lvl8pPr marL="3200400" algn="l" defTabSz="914400" rtl="0" eaLnBrk="1" latinLnBrk="0" hangingPunct="1">
-              <a:defRPr sz="1800" kern="1200">
-                <a:solidFill>
-                  <a:schemeClr val="tx1"/>
-                </a:solidFill>
-                <a:latin typeface="+mn-lt"/>
-                <a:ea typeface="+mn-ea"/>
-                <a:cs typeface="+mn-cs"/>
-              </a:defRPr>
-            </a:lvl8pPr>
-            <a:lvl9pPr marL="3657600" algn="l" defTabSz="914400" rtl="0" eaLnBrk="1" latinLnBrk="0" hangingPunct="1">
-              <a:defRPr sz="1800" kern="1200">
-                <a:solidFill>
-                  <a:schemeClr val="tx1"/>
-                </a:solidFill>
-                <a:latin typeface="+mn-lt"/>
-                <a:ea typeface="+mn-ea"/>
-                <a:cs typeface="+mn-cs"/>
-              </a:defRPr>
-            </a:lvl9pPr>
-          </a:lstStyle>
-          <a:p>
-            <a:pPr algn="ctr" eaLnBrk="1" hangingPunct="1">
-              <a:lnSpc>
-                <a:spcPct val="100000"/>
-              </a:lnSpc>
-              <a:spcBef>
-                <a:spcPct val="0"/>
-              </a:spcBef>
-              <a:buFontTx/>
-              <a:buNone/>
-            </a:pPr>
-            <a:r>
-              <a:rPr lang="en-US" altLang="zh-CN" sz="5400" b="1" dirty="0">
-                <a:solidFill>
-                  <a:schemeClr val="bg1"/>
-                </a:solidFill>
-                <a:latin typeface="微软雅黑 Light" panose="020B0502040204020203" pitchFamily="34" charset="-122"/>
-                <a:ea typeface="微软雅黑 Light" panose="020B0502040204020203" pitchFamily="34" charset="-122"/>
-              </a:rPr>
-              <a:t>04</a:t>
-            </a:r>
-            <a:endParaRPr lang="zh-CN" altLang="en-US" sz="5400" b="1" dirty="0">
-              <a:solidFill>
-                <a:schemeClr val="bg1"/>
-              </a:solidFill>
-              <a:latin typeface="微软雅黑 Light" panose="020B0502040204020203" pitchFamily="34" charset="-122"/>
-              <a:ea typeface="微软雅黑 Light" panose="020B0502040204020203" pitchFamily="34" charset="-122"/>
-            </a:endParaRPr>
-          </a:p>
-        </p:txBody>
-      </p:sp>
+      </p:pic>
     </p:spTree>
   </p:cSld>
   <p:clrMapOvr>
@@ -10747,6 +10843,7 @@
 <file path=ppt/tags/tag11.xml><?xml version="1.0" encoding="utf-8"?>
 <p:tagLst xmlns:p="http://schemas.openxmlformats.org/presentationml/2006/main">
   <p:tag name="KSO_WM_BEAUTIFY_FLAG" val=""/>
+  <p:tag name="KSO_WM_UNIT_PLACING_PICTURE_USER_VIEWPORT" val="{&quot;height&quot;:2902,&quot;width&quot;:9371}"/>
 </p:tagLst>
 </file>
 
@@ -10795,7 +10892,6 @@
 <file path=ppt/tags/tag19.xml><?xml version="1.0" encoding="utf-8"?>
 <p:tagLst xmlns:p="http://schemas.openxmlformats.org/presentationml/2006/main">
   <p:tag name="KSO_WM_BEAUTIFY_FLAG" val=""/>
-  <p:tag name="KSO_WM_UNIT_PLACING_PICTURE_USER_VIEWPORT" val="{&quot;height&quot;:2716,&quot;width&quot;:8013}"/>
 </p:tagLst>
 </file>
 
@@ -10813,12 +10909,6 @@
 
 <file path=ppt/tags/tag21.xml><?xml version="1.0" encoding="utf-8"?>
 <p:tagLst xmlns:p="http://schemas.openxmlformats.org/presentationml/2006/main">
-  <p:tag name="KSO_WM_BEAUTIFY_FLAG" val=""/>
-</p:tagLst>
-</file>
-
-<file path=ppt/tags/tag22.xml><?xml version="1.0" encoding="utf-8"?>
-<p:tagLst xmlns:p="http://schemas.openxmlformats.org/presentationml/2006/main">
   <p:tag name="KSO_WPP_MARK_KEY" val="e590d23f-e0e7-4113-a92f-e1ed243c22b0"/>
   <p:tag name="COMMONDATA" val="eyJoZGlkIjoiMjkzODA0ZGU1ZjI3NmViMTIyNjVjMTVhMTI2MjhhMjAifQ=="/>
 </p:tagLst>
@@ -10832,7 +10922,7 @@
 
 <file path=ppt/tags/tag4.xml><?xml version="1.0" encoding="utf-8"?>
 <p:tagLst xmlns:p="http://schemas.openxmlformats.org/presentationml/2006/main">
-  <p:tag name="KSO_WM_UNIT_PLACING_PICTURE_USER_VIEWPORT" val="{&quot;height&quot;:10800,&quot;width&quot;:13514}"/>
+  <p:tag name="KSO_WM_UNIT_PLACING_PICTURE_USER_VIEWPORT" val="{&quot;height&quot;:9362,&quot;width&quot;:11715}"/>
 </p:tagLst>
 </file>
 

--- a/OpencvFInal/Opencv.pptx
+++ b/OpencvFInal/Opencv.pptx
@@ -13,19 +13,21 @@
     <p:sldId id="266" r:id="rId8"/>
     <p:sldId id="259" r:id="rId9"/>
     <p:sldId id="270" r:id="rId10"/>
-    <p:sldId id="284" r:id="rId11"/>
-    <p:sldId id="260" r:id="rId12"/>
-    <p:sldId id="272" r:id="rId13"/>
-    <p:sldId id="278" r:id="rId14"/>
-    <p:sldId id="279" r:id="rId15"/>
-    <p:sldId id="280" r:id="rId16"/>
-    <p:sldId id="282" r:id="rId17"/>
-    <p:sldId id="261" r:id="rId18"/>
+    <p:sldId id="303" r:id="rId11"/>
+    <p:sldId id="293" r:id="rId12"/>
+    <p:sldId id="294" r:id="rId13"/>
+    <p:sldId id="260" r:id="rId14"/>
+    <p:sldId id="272" r:id="rId15"/>
+    <p:sldId id="278" r:id="rId16"/>
+    <p:sldId id="279" r:id="rId17"/>
+    <p:sldId id="280" r:id="rId18"/>
+    <p:sldId id="282" r:id="rId19"/>
+    <p:sldId id="261" r:id="rId20"/>
   </p:sldIdLst>
   <p:sldSz cx="12192000" cy="6858000"/>
   <p:notesSz cx="6858000" cy="9144000"/>
   <p:custDataLst>
-    <p:tags r:id="rId22"/>
+    <p:tags r:id="rId24"/>
   </p:custDataLst>
   <p:defaultTextStyle>
     <a:defPPr>
@@ -1542,6 +1544,542 @@
       </p:grpSpPr>
       <p:sp>
         <p:nvSpPr>
+          <p:cNvPr id="3" name="稻壳儿原创设计师【幻雨工作室】_1"/>
+          <p:cNvSpPr txBox="1"/>
+          <p:nvPr/>
+        </p:nvSpPr>
+        <p:spPr>
+          <a:xfrm>
+            <a:off x="1252754" y="510038"/>
+            <a:ext cx="4620895" cy="521970"/>
+          </a:xfrm>
+          <a:prstGeom prst="rect">
+            <a:avLst/>
+          </a:prstGeom>
+          <a:noFill/>
+        </p:spPr>
+        <p:txBody>
+          <a:bodyPr wrap="none" rtlCol="0">
+            <a:spAutoFit/>
+          </a:bodyPr>
+          <a:lstStyle/>
+          <a:p>
+            <a:pPr algn="l" defTabSz="685800"/>
+            <a:r>
+              <a:rPr lang="en-US" altLang="zh-CN" sz="2800" dirty="0">
+                <a:solidFill>
+                  <a:schemeClr val="accent1"/>
+                </a:solidFill>
+                <a:latin typeface="微软雅黑" panose="020B0503020204020204" pitchFamily="34" charset="-122"/>
+                <a:ea typeface="微软雅黑" panose="020B0503020204020204" pitchFamily="34" charset="-122"/>
+                <a:cs typeface="Arial" panose="020B0604020202020204" pitchFamily="34" charset="0"/>
+              </a:rPr>
+              <a:t>03.</a:t>
+            </a:r>
+            <a:r>
+              <a:rPr lang="en-US" altLang="zh-CN" sz="2800" dirty="0">
+                <a:solidFill>
+                  <a:schemeClr val="tx1">
+                    <a:lumMod val="75000"/>
+                    <a:lumOff val="25000"/>
+                  </a:schemeClr>
+                </a:solidFill>
+                <a:latin typeface="微软雅黑" panose="020B0503020204020204" pitchFamily="34" charset="-122"/>
+                <a:ea typeface="微软雅黑" panose="020B0503020204020204" pitchFamily="34" charset="-122"/>
+                <a:sym typeface="+mn-ea"/>
+              </a:rPr>
+              <a:t>FeatureDetector</a:t>
+            </a:r>
+            <a:r>
+              <a:rPr lang="zh-CN" altLang="en-US" sz="2800" dirty="0">
+                <a:solidFill>
+                  <a:schemeClr val="tx1">
+                    <a:lumMod val="75000"/>
+                    <a:lumOff val="25000"/>
+                  </a:schemeClr>
+                </a:solidFill>
+                <a:latin typeface="微软雅黑" panose="020B0503020204020204" pitchFamily="34" charset="-122"/>
+                <a:ea typeface="微软雅黑" panose="020B0503020204020204" pitchFamily="34" charset="-122"/>
+                <a:sym typeface="+mn-ea"/>
+              </a:rPr>
+              <a:t>类图</a:t>
+            </a:r>
+            <a:r>
+              <a:rPr lang="en-US" altLang="zh-CN" sz="1600" dirty="0">
+                <a:solidFill>
+                  <a:schemeClr val="accent1"/>
+                </a:solidFill>
+                <a:latin typeface="微软雅黑 Light" panose="020B0502040204020203" pitchFamily="34" charset="-122"/>
+                <a:ea typeface="微软雅黑 Light" panose="020B0502040204020203" pitchFamily="34" charset="-122"/>
+                <a:cs typeface="Arial" panose="020B0604020202020204" pitchFamily="34" charset="0"/>
+              </a:rPr>
+              <a:t>Part3</a:t>
+            </a:r>
+            <a:endParaRPr lang="zh-CN" altLang="en-US" sz="1600" dirty="0">
+              <a:solidFill>
+                <a:schemeClr val="accent1"/>
+              </a:solidFill>
+              <a:latin typeface="微软雅黑 Light" panose="020B0502040204020203" pitchFamily="34" charset="-122"/>
+              <a:ea typeface="微软雅黑 Light" panose="020B0502040204020203" pitchFamily="34" charset="-122"/>
+              <a:cs typeface="Arial" panose="020B0604020202020204" pitchFamily="34" charset="0"/>
+            </a:endParaRPr>
+          </a:p>
+        </p:txBody>
+      </p:sp>
+      <p:sp>
+        <p:nvSpPr>
+          <p:cNvPr id="41" name="稻壳儿原创设计师【幻雨工作室】_11"/>
+          <p:cNvSpPr/>
+          <p:nvPr>
+            <p:custDataLst>
+              <p:tags r:id="rId1"/>
+            </p:custDataLst>
+          </p:nvPr>
+        </p:nvSpPr>
+        <p:spPr>
+          <a:xfrm>
+            <a:off x="9467215" y="1568450"/>
+            <a:ext cx="2621915" cy="6561455"/>
+          </a:xfrm>
+          <a:prstGeom prst="rect">
+            <a:avLst/>
+          </a:prstGeom>
+        </p:spPr>
+        <p:txBody>
+          <a:bodyPr wrap="square">
+            <a:noAutofit/>
+          </a:bodyPr>
+          <a:lstStyle/>
+          <a:p>
+            <a:pPr indent="457200" algn="l">
+              <a:lnSpc>
+                <a:spcPct val="150000"/>
+              </a:lnSpc>
+            </a:pPr>
+            <a:r>
+              <a:rPr dirty="0">
+                <a:latin typeface="Arial" panose="020B0604020202020204" pitchFamily="34" charset="0"/>
+                <a:ea typeface="宋体" panose="02010600030101010101" pitchFamily="2" charset="-122"/>
+                <a:cs typeface="Arial" panose="020B0604020202020204" pitchFamily="34" charset="0"/>
+              </a:rPr>
+              <a:t>每一个具体子类实现</a:t>
+            </a:r>
+            <a:r>
+              <a:rPr lang="zh-CN" dirty="0">
+                <a:latin typeface="Arial" panose="020B0604020202020204" pitchFamily="34" charset="0"/>
+                <a:ea typeface="宋体" panose="02010600030101010101" pitchFamily="2" charset="-122"/>
+                <a:cs typeface="Arial" panose="020B0604020202020204" pitchFamily="34" charset="0"/>
+              </a:rPr>
+              <a:t>了</a:t>
+            </a:r>
+            <a:r>
+              <a:rPr dirty="0">
+                <a:latin typeface="Arial" panose="020B0604020202020204" pitchFamily="34" charset="0"/>
+                <a:ea typeface="宋体" panose="02010600030101010101" pitchFamily="2" charset="-122"/>
+                <a:cs typeface="Arial" panose="020B0604020202020204" pitchFamily="34" charset="0"/>
+              </a:rPr>
+              <a:t>FeatureDetector 基类中定义的抽象方法</a:t>
+            </a:r>
+            <a:r>
+              <a:rPr lang="zh-CN" dirty="0">
+                <a:latin typeface="Arial" panose="020B0604020202020204" pitchFamily="34" charset="0"/>
+                <a:ea typeface="宋体" panose="02010600030101010101" pitchFamily="2" charset="-122"/>
+                <a:cs typeface="Arial" panose="020B0604020202020204" pitchFamily="34" charset="0"/>
+              </a:rPr>
+              <a:t>：</a:t>
+            </a:r>
+            <a:r>
+              <a:rPr dirty="0">
+                <a:latin typeface="Arial" panose="020B0604020202020204" pitchFamily="34" charset="0"/>
+                <a:ea typeface="宋体" panose="02010600030101010101" pitchFamily="2" charset="-122"/>
+                <a:cs typeface="Arial" panose="020B0604020202020204" pitchFamily="34" charset="0"/>
+              </a:rPr>
+              <a:t>detectImpl 方法</a:t>
+            </a:r>
+            <a:r>
+              <a:rPr lang="zh-CN" dirty="0">
+                <a:latin typeface="Arial" panose="020B0604020202020204" pitchFamily="34" charset="0"/>
+                <a:ea typeface="宋体" panose="02010600030101010101" pitchFamily="2" charset="-122"/>
+                <a:cs typeface="Arial" panose="020B0604020202020204" pitchFamily="34" charset="0"/>
+              </a:rPr>
+              <a:t>等</a:t>
+            </a:r>
+            <a:r>
+              <a:rPr dirty="0">
+                <a:latin typeface="Arial" panose="020B0604020202020204" pitchFamily="34" charset="0"/>
+                <a:ea typeface="宋体" panose="02010600030101010101" pitchFamily="2" charset="-122"/>
+                <a:cs typeface="Arial" panose="020B0604020202020204" pitchFamily="34" charset="0"/>
+              </a:rPr>
+              <a:t>。以提供特定的特征检测算法。这些具体策略角色包装了相关的算法或行为，实现了特定的特征检测操作。</a:t>
+            </a:r>
+            <a:r>
+              <a:rPr lang="zh-CN" altLang="en-US" sz="2000" dirty="0">
+                <a:solidFill>
+                  <a:schemeClr val="tx1">
+                    <a:lumMod val="75000"/>
+                    <a:lumOff val="25000"/>
+                  </a:schemeClr>
+                </a:solidFill>
+                <a:latin typeface="Arial" panose="020B0604020202020204" pitchFamily="34" charset="0"/>
+                <a:cs typeface="Arial" panose="020B0604020202020204" pitchFamily="34" charset="0"/>
+              </a:rPr>
+              <a:t> </a:t>
+            </a:r>
+            <a:endParaRPr lang="zh-CN" altLang="en-US" sz="2000" dirty="0">
+              <a:solidFill>
+                <a:schemeClr val="tx1">
+                  <a:lumMod val="75000"/>
+                  <a:lumOff val="25000"/>
+                </a:schemeClr>
+              </a:solidFill>
+              <a:latin typeface="Arial" panose="020B0604020202020204" pitchFamily="34" charset="0"/>
+              <a:cs typeface="Arial" panose="020B0604020202020204" pitchFamily="34" charset="0"/>
+            </a:endParaRPr>
+          </a:p>
+        </p:txBody>
+      </p:sp>
+      <p:pic>
+        <p:nvPicPr>
+          <p:cNvPr id="4" name="图片 3"/>
+          <p:cNvPicPr>
+            <a:picLocks noChangeAspect="1"/>
+          </p:cNvPicPr>
+          <p:nvPr>
+            <p:custDataLst>
+              <p:tags r:id="rId2"/>
+            </p:custDataLst>
+          </p:nvPr>
+        </p:nvPicPr>
+        <p:blipFill>
+          <a:blip r:embed="rId3"/>
+          <a:stretch>
+            <a:fillRect/>
+          </a:stretch>
+        </p:blipFill>
+        <p:spPr>
+          <a:xfrm>
+            <a:off x="151130" y="1580515"/>
+            <a:ext cx="9257030" cy="4582795"/>
+          </a:xfrm>
+          <a:prstGeom prst="rect">
+            <a:avLst/>
+          </a:prstGeom>
+        </p:spPr>
+      </p:pic>
+    </p:spTree>
+  </p:cSld>
+  <p:clrMapOvr>
+    <a:masterClrMapping/>
+  </p:clrMapOvr>
+</p:sld>
+</file>
+
+<file path=ppt/slides/slide11.xml><?xml version="1.0" encoding="utf-8"?>
+<p:sld xmlns:a="http://schemas.openxmlformats.org/drawingml/2006/main" xmlns:r="http://schemas.openxmlformats.org/officeDocument/2006/relationships" xmlns:p="http://schemas.openxmlformats.org/presentationml/2006/main">
+  <p:cSld>
+    <p:spTree>
+      <p:nvGrpSpPr>
+        <p:cNvPr id="1" name=""/>
+        <p:cNvGrpSpPr/>
+        <p:nvPr/>
+      </p:nvGrpSpPr>
+      <p:grpSpPr>
+        <a:xfrm>
+          <a:off x="0" y="0"/>
+          <a:ext cx="0" cy="0"/>
+          <a:chOff x="0" y="0"/>
+          <a:chExt cx="0" cy="0"/>
+        </a:xfrm>
+      </p:grpSpPr>
+      <p:sp>
+        <p:nvSpPr>
+          <p:cNvPr id="3" name="稻壳儿原创设计师【幻雨工作室】_1"/>
+          <p:cNvSpPr txBox="1"/>
+          <p:nvPr/>
+        </p:nvSpPr>
+        <p:spPr>
+          <a:xfrm>
+            <a:off x="1252754" y="510038"/>
+            <a:ext cx="4620895" cy="521970"/>
+          </a:xfrm>
+          <a:prstGeom prst="rect">
+            <a:avLst/>
+          </a:prstGeom>
+          <a:noFill/>
+        </p:spPr>
+        <p:txBody>
+          <a:bodyPr wrap="none" rtlCol="0">
+            <a:spAutoFit/>
+          </a:bodyPr>
+          <a:lstStyle/>
+          <a:p>
+            <a:pPr algn="l" defTabSz="685800"/>
+            <a:r>
+              <a:rPr lang="en-US" altLang="zh-CN" sz="2800" dirty="0">
+                <a:solidFill>
+                  <a:schemeClr val="accent1"/>
+                </a:solidFill>
+                <a:latin typeface="微软雅黑" panose="020B0503020204020204" pitchFamily="34" charset="-122"/>
+                <a:ea typeface="微软雅黑" panose="020B0503020204020204" pitchFamily="34" charset="-122"/>
+                <a:cs typeface="Arial" panose="020B0604020202020204" pitchFamily="34" charset="0"/>
+              </a:rPr>
+              <a:t>03.</a:t>
+            </a:r>
+            <a:r>
+              <a:rPr lang="en-US" altLang="zh-CN" sz="2800" dirty="0">
+                <a:solidFill>
+                  <a:schemeClr val="tx1">
+                    <a:lumMod val="75000"/>
+                    <a:lumOff val="25000"/>
+                  </a:schemeClr>
+                </a:solidFill>
+                <a:latin typeface="微软雅黑" panose="020B0503020204020204" pitchFamily="34" charset="-122"/>
+                <a:ea typeface="微软雅黑" panose="020B0503020204020204" pitchFamily="34" charset="-122"/>
+                <a:sym typeface="+mn-ea"/>
+              </a:rPr>
+              <a:t>FeatureDetector</a:t>
+            </a:r>
+            <a:r>
+              <a:rPr lang="zh-CN" altLang="en-US" sz="2800" dirty="0">
+                <a:solidFill>
+                  <a:schemeClr val="tx1">
+                    <a:lumMod val="75000"/>
+                    <a:lumOff val="25000"/>
+                  </a:schemeClr>
+                </a:solidFill>
+                <a:latin typeface="微软雅黑" panose="020B0503020204020204" pitchFamily="34" charset="-122"/>
+                <a:ea typeface="微软雅黑" panose="020B0503020204020204" pitchFamily="34" charset="-122"/>
+                <a:sym typeface="+mn-ea"/>
+              </a:rPr>
+              <a:t>类图</a:t>
+            </a:r>
+            <a:r>
+              <a:rPr lang="en-US" altLang="zh-CN" sz="1600" dirty="0">
+                <a:solidFill>
+                  <a:schemeClr val="accent1"/>
+                </a:solidFill>
+                <a:latin typeface="微软雅黑 Light" panose="020B0502040204020203" pitchFamily="34" charset="-122"/>
+                <a:ea typeface="微软雅黑 Light" panose="020B0502040204020203" pitchFamily="34" charset="-122"/>
+                <a:cs typeface="Arial" panose="020B0604020202020204" pitchFamily="34" charset="0"/>
+              </a:rPr>
+              <a:t>Part3</a:t>
+            </a:r>
+            <a:endParaRPr lang="zh-CN" altLang="en-US" sz="1600" dirty="0">
+              <a:solidFill>
+                <a:schemeClr val="accent1"/>
+              </a:solidFill>
+              <a:latin typeface="微软雅黑 Light" panose="020B0502040204020203" pitchFamily="34" charset="-122"/>
+              <a:ea typeface="微软雅黑 Light" panose="020B0502040204020203" pitchFamily="34" charset="-122"/>
+              <a:cs typeface="Arial" panose="020B0604020202020204" pitchFamily="34" charset="0"/>
+            </a:endParaRPr>
+          </a:p>
+        </p:txBody>
+      </p:sp>
+      <p:sp>
+        <p:nvSpPr>
+          <p:cNvPr id="4" name="文本框 3"/>
+          <p:cNvSpPr txBox="1"/>
+          <p:nvPr/>
+        </p:nvSpPr>
+        <p:spPr>
+          <a:xfrm>
+            <a:off x="3018790" y="1201420"/>
+            <a:ext cx="7024370" cy="368300"/>
+          </a:xfrm>
+          <a:prstGeom prst="rect">
+            <a:avLst/>
+          </a:prstGeom>
+          <a:noFill/>
+        </p:spPr>
+        <p:txBody>
+          <a:bodyPr wrap="square" rtlCol="0" anchor="t">
+            <a:spAutoFit/>
+          </a:bodyPr>
+          <a:p>
+            <a:r>
+              <a:rPr lang="zh-CN" altLang="en-US"/>
+              <a:t>在FeatureDetector类中，定义了公共的detect方法来进行特征检测：</a:t>
+            </a:r>
+            <a:endParaRPr lang="zh-CN" altLang="en-US"/>
+          </a:p>
+        </p:txBody>
+      </p:sp>
+      <p:pic>
+        <p:nvPicPr>
+          <p:cNvPr id="5" name="图片 4"/>
+          <p:cNvPicPr>
+            <a:picLocks noChangeAspect="1"/>
+          </p:cNvPicPr>
+          <p:nvPr>
+            <p:custDataLst>
+              <p:tags r:id="rId1"/>
+            </p:custDataLst>
+          </p:nvPr>
+        </p:nvPicPr>
+        <p:blipFill>
+          <a:blip r:embed="rId2"/>
+          <a:stretch>
+            <a:fillRect/>
+          </a:stretch>
+        </p:blipFill>
+        <p:spPr>
+          <a:xfrm>
+            <a:off x="1389380" y="1569720"/>
+            <a:ext cx="9288145" cy="419100"/>
+          </a:xfrm>
+          <a:prstGeom prst="rect">
+            <a:avLst/>
+          </a:prstGeom>
+        </p:spPr>
+      </p:pic>
+      <p:sp>
+        <p:nvSpPr>
+          <p:cNvPr id="6" name="文本框 5"/>
+          <p:cNvSpPr txBox="1"/>
+          <p:nvPr/>
+        </p:nvSpPr>
+        <p:spPr>
+          <a:xfrm>
+            <a:off x="3048000" y="2096770"/>
+            <a:ext cx="6096000" cy="645160"/>
+          </a:xfrm>
+          <a:prstGeom prst="rect">
+            <a:avLst/>
+          </a:prstGeom>
+          <a:noFill/>
+        </p:spPr>
+        <p:txBody>
+          <a:bodyPr wrap="square" rtlCol="0" anchor="t">
+            <a:spAutoFit/>
+          </a:bodyPr>
+          <a:p>
+            <a:r>
+              <a:rPr lang="zh-CN" altLang="en-US"/>
+              <a:t>观察其具体实现，可以发现，其通过调用detectImpl()实现，而detectImpl()在FeatureDetector类中是一个虚函数：</a:t>
+            </a:r>
+            <a:endParaRPr lang="zh-CN" altLang="en-US"/>
+          </a:p>
+        </p:txBody>
+      </p:sp>
+      <p:pic>
+        <p:nvPicPr>
+          <p:cNvPr id="7" name="图片 6"/>
+          <p:cNvPicPr>
+            <a:picLocks noChangeAspect="1"/>
+          </p:cNvPicPr>
+          <p:nvPr>
+            <p:custDataLst>
+              <p:tags r:id="rId3"/>
+            </p:custDataLst>
+          </p:nvPr>
+        </p:nvPicPr>
+        <p:blipFill>
+          <a:blip r:embed="rId4"/>
+          <a:stretch>
+            <a:fillRect/>
+          </a:stretch>
+        </p:blipFill>
+        <p:spPr>
+          <a:xfrm>
+            <a:off x="1438275" y="2849880"/>
+            <a:ext cx="9239250" cy="357505"/>
+          </a:xfrm>
+          <a:prstGeom prst="rect">
+            <a:avLst/>
+          </a:prstGeom>
+        </p:spPr>
+      </p:pic>
+      <p:sp>
+        <p:nvSpPr>
+          <p:cNvPr id="8" name="文本框 7"/>
+          <p:cNvSpPr txBox="1"/>
+          <p:nvPr/>
+        </p:nvSpPr>
+        <p:spPr>
+          <a:xfrm>
+            <a:off x="3018790" y="3268980"/>
+            <a:ext cx="7047230" cy="986790"/>
+          </a:xfrm>
+          <a:prstGeom prst="rect">
+            <a:avLst/>
+          </a:prstGeom>
+          <a:noFill/>
+        </p:spPr>
+        <p:txBody>
+          <a:bodyPr wrap="square" rtlCol="0" anchor="t">
+            <a:noAutofit/>
+          </a:bodyPr>
+          <a:p>
+            <a:r>
+              <a:rPr lang="zh-CN" altLang="en-US"/>
+              <a:t>在Opencv中，实现了多个不同的算法子类（如SIFT、MSER、GFTT等），继承了FeatureDetector类，并对detectImpl()方法重写而进行特征检测的具体实现。从而，不同算法间是可替换的。</a:t>
+            </a:r>
+            <a:endParaRPr lang="zh-CN" altLang="en-US"/>
+          </a:p>
+          <a:p>
+            <a:r>
+              <a:rPr lang="zh-CN" altLang="en-US"/>
+              <a:t>在使用特征检测时，可以使用如下的方式进行：</a:t>
+            </a:r>
+            <a:endParaRPr lang="zh-CN" altLang="en-US"/>
+          </a:p>
+        </p:txBody>
+      </p:sp>
+      <p:pic>
+        <p:nvPicPr>
+          <p:cNvPr id="2" name="图片 1"/>
+          <p:cNvPicPr>
+            <a:picLocks noChangeAspect="1"/>
+          </p:cNvPicPr>
+          <p:nvPr>
+            <p:custDataLst>
+              <p:tags r:id="rId5"/>
+            </p:custDataLst>
+          </p:nvPr>
+        </p:nvPicPr>
+        <p:blipFill>
+          <a:blip r:embed="rId6"/>
+          <a:stretch>
+            <a:fillRect/>
+          </a:stretch>
+        </p:blipFill>
+        <p:spPr>
+          <a:xfrm>
+            <a:off x="2667000" y="4487545"/>
+            <a:ext cx="6781800" cy="889635"/>
+          </a:xfrm>
+          <a:prstGeom prst="rect">
+            <a:avLst/>
+          </a:prstGeom>
+        </p:spPr>
+      </p:pic>
+    </p:spTree>
+  </p:cSld>
+  <p:clrMapOvr>
+    <a:masterClrMapping/>
+  </p:clrMapOvr>
+</p:sld>
+</file>
+
+<file path=ppt/slides/slide12.xml><?xml version="1.0" encoding="utf-8"?>
+<p:sld xmlns:a="http://schemas.openxmlformats.org/drawingml/2006/main" xmlns:r="http://schemas.openxmlformats.org/officeDocument/2006/relationships" xmlns:p="http://schemas.openxmlformats.org/presentationml/2006/main">
+  <p:cSld>
+    <p:spTree>
+      <p:nvGrpSpPr>
+        <p:cNvPr id="1" name=""/>
+        <p:cNvGrpSpPr/>
+        <p:nvPr/>
+      </p:nvGrpSpPr>
+      <p:grpSpPr>
+        <a:xfrm>
+          <a:off x="0" y="0"/>
+          <a:ext cx="0" cy="0"/>
+          <a:chOff x="0" y="0"/>
+          <a:chExt cx="0" cy="0"/>
+        </a:xfrm>
+      </p:grpSpPr>
+      <p:sp>
+        <p:nvSpPr>
           <p:cNvPr id="2" name="稻壳儿原创设计师【幻雨工作室】_1"/>
           <p:cNvSpPr txBox="1"/>
           <p:nvPr/>
@@ -2052,7 +2590,7 @@
 </p:sld>
 </file>
 
-<file path=ppt/slides/slide11.xml><?xml version="1.0" encoding="utf-8"?>
+<file path=ppt/slides/slide13.xml><?xml version="1.0" encoding="utf-8"?>
 <p:sld xmlns:a="http://schemas.openxmlformats.org/drawingml/2006/main" xmlns:r="http://schemas.openxmlformats.org/officeDocument/2006/relationships" xmlns:p="http://schemas.openxmlformats.org/presentationml/2006/main">
   <p:cSld>
     <p:spTree>
@@ -2374,7 +2912,7 @@
 </p:sld>
 </file>
 
-<file path=ppt/slides/slide12.xml><?xml version="1.0" encoding="utf-8"?>
+<file path=ppt/slides/slide14.xml><?xml version="1.0" encoding="utf-8"?>
 <p:sld xmlns:a="http://schemas.openxmlformats.org/drawingml/2006/main" xmlns:r="http://schemas.openxmlformats.org/officeDocument/2006/relationships" xmlns:p="http://schemas.openxmlformats.org/presentationml/2006/main">
   <p:cSld>
     <p:spTree>
@@ -2865,7 +3403,7 @@
 </p:sld>
 </file>
 
-<file path=ppt/slides/slide13.xml><?xml version="1.0" encoding="utf-8"?>
+<file path=ppt/slides/slide15.xml><?xml version="1.0" encoding="utf-8"?>
 <p:sld xmlns:a="http://schemas.openxmlformats.org/drawingml/2006/main" xmlns:r="http://schemas.openxmlformats.org/officeDocument/2006/relationships" xmlns:p="http://schemas.openxmlformats.org/presentationml/2006/main">
   <p:cSld>
     <p:spTree>
@@ -3025,78 +3563,7 @@
       </p:sp>
       <p:sp>
         <p:nvSpPr>
-          <p:cNvPr id="31" name="稻壳儿原创设计师【幻雨工作室】_12"/>
-          <p:cNvSpPr/>
-          <p:nvPr/>
-        </p:nvSpPr>
-        <p:spPr>
-          <a:xfrm>
-            <a:off x="1072515" y="1316355"/>
-            <a:ext cx="1607820" cy="460375"/>
-          </a:xfrm>
-          <a:prstGeom prst="rect">
-            <a:avLst/>
-          </a:prstGeom>
-        </p:spPr>
-        <p:txBody>
-          <a:bodyPr wrap="square">
-            <a:spAutoFit/>
-          </a:bodyPr>
-          <a:lstStyle/>
-          <a:p>
-            <a:pPr algn="ctr"/>
-            <a:r>
-              <a:rPr lang="en-US" altLang="zh-CN" sz="2400" dirty="0">
-                <a:solidFill>
-                  <a:schemeClr val="accent1"/>
-                </a:solidFill>
-                <a:latin typeface="Arial" panose="020B0604020202020204" pitchFamily="34" charset="0"/>
-                <a:cs typeface="Arial" panose="020B0604020202020204" pitchFamily="34" charset="0"/>
-              </a:rPr>
-              <a:t>ORB</a:t>
-            </a:r>
-            <a:endParaRPr lang="en-US" altLang="zh-CN" sz="2400" dirty="0">
-              <a:solidFill>
-                <a:schemeClr val="accent1"/>
-              </a:solidFill>
-              <a:latin typeface="Arial" panose="020B0604020202020204" pitchFamily="34" charset="0"/>
-              <a:cs typeface="Arial" panose="020B0604020202020204" pitchFamily="34" charset="0"/>
-            </a:endParaRPr>
-          </a:p>
-        </p:txBody>
-      </p:sp>
-      <p:sp>
-        <p:nvSpPr>
-          <p:cNvPr id="10" name="文本框 9"/>
-          <p:cNvSpPr txBox="1"/>
-          <p:nvPr/>
-        </p:nvSpPr>
-        <p:spPr>
-          <a:xfrm>
-            <a:off x="3368040" y="1155065"/>
-            <a:ext cx="8231505" cy="922020"/>
-          </a:xfrm>
-          <a:prstGeom prst="rect">
-            <a:avLst/>
-          </a:prstGeom>
-          <a:noFill/>
-        </p:spPr>
-        <p:txBody>
-          <a:bodyPr wrap="square" rtlCol="0" anchor="t">
-            <a:spAutoFit/>
-          </a:bodyPr>
-          <a:p>
-            <a:r>
-              <a:rPr lang="zh-CN" altLang="en-US"/>
-              <a:t>ORB使用BRIEF描述符计算关键点的描述。BRIEF描述符是一种二进制描述符，用于表示关键点周围的图像区域。这些描述符对光照变化和噪声具有鲁棒性，同时计算速度很快。</a:t>
-            </a:r>
-            <a:endParaRPr lang="zh-CN" altLang="en-US"/>
-          </a:p>
-        </p:txBody>
-      </p:sp>
-      <p:sp>
-        <p:nvSpPr>
-          <p:cNvPr id="11" name="稻壳儿原创设计师【幻雨工作室】_12"/>
+          <p:cNvPr id="19" name="稻壳儿原创设计师【幻雨工作室】_12"/>
           <p:cNvSpPr/>
           <p:nvPr>
             <p:custDataLst>
@@ -3106,109 +3573,7 @@
         </p:nvSpPr>
         <p:spPr>
           <a:xfrm>
-            <a:off x="977265" y="1903730"/>
-            <a:ext cx="1607820" cy="460375"/>
-          </a:xfrm>
-          <a:prstGeom prst="rect">
-            <a:avLst/>
-          </a:prstGeom>
-        </p:spPr>
-        <p:txBody>
-          <a:bodyPr wrap="square">
-            <a:spAutoFit/>
-          </a:bodyPr>
-          <a:p>
-            <a:pPr algn="ctr"/>
-            <a:r>
-              <a:rPr lang="en-US" altLang="zh-CN" sz="2400" dirty="0">
-                <a:solidFill>
-                  <a:schemeClr val="accent1"/>
-                </a:solidFill>
-                <a:latin typeface="Arial" panose="020B0604020202020204" pitchFamily="34" charset="0"/>
-                <a:cs typeface="Arial" panose="020B0604020202020204" pitchFamily="34" charset="0"/>
-              </a:rPr>
-              <a:t>MSER</a:t>
-            </a:r>
-            <a:endParaRPr lang="en-US" altLang="zh-CN" sz="2400" dirty="0">
-              <a:solidFill>
-                <a:schemeClr val="accent1"/>
-              </a:solidFill>
-              <a:latin typeface="Arial" panose="020B0604020202020204" pitchFamily="34" charset="0"/>
-              <a:cs typeface="Arial" panose="020B0604020202020204" pitchFamily="34" charset="0"/>
-            </a:endParaRPr>
-          </a:p>
-        </p:txBody>
-      </p:sp>
-      <p:pic>
-        <p:nvPicPr>
-          <p:cNvPr id="17" name="图片 16"/>
-          <p:cNvPicPr>
-            <a:picLocks noChangeAspect="1"/>
-          </p:cNvPicPr>
-          <p:nvPr>
-            <p:custDataLst>
-              <p:tags r:id="rId2"/>
-            </p:custDataLst>
-          </p:nvPr>
-        </p:nvPicPr>
-        <p:blipFill>
-          <a:blip r:embed="rId3"/>
-          <a:stretch>
-            <a:fillRect/>
-          </a:stretch>
-        </p:blipFill>
-        <p:spPr>
-          <a:xfrm>
-            <a:off x="61595" y="2294890"/>
-            <a:ext cx="6105525" cy="513715"/>
-          </a:xfrm>
-          <a:prstGeom prst="rect">
-            <a:avLst/>
-          </a:prstGeom>
-        </p:spPr>
-      </p:pic>
-      <p:sp>
-        <p:nvSpPr>
-          <p:cNvPr id="18" name="文本框 17"/>
-          <p:cNvSpPr txBox="1"/>
-          <p:nvPr/>
-        </p:nvSpPr>
-        <p:spPr>
-          <a:xfrm>
-            <a:off x="6276340" y="2077085"/>
-            <a:ext cx="5552440" cy="1198880"/>
-          </a:xfrm>
-          <a:prstGeom prst="rect">
-            <a:avLst/>
-          </a:prstGeom>
-          <a:noFill/>
-        </p:spPr>
-        <p:txBody>
-          <a:bodyPr wrap="square" rtlCol="0" anchor="t">
-            <a:spAutoFit/>
-          </a:bodyPr>
-          <a:p>
-            <a:r>
-              <a:rPr lang="zh-CN" altLang="en-US"/>
-              <a:t>operator() 函数是用于从图像中提取 MSER 区域的操作符。它接受输入图像、MSER 区域的容器 msers 和可选的掩码图像 mask，并将检测到的 MSER 区域存储在 msers 中。</a:t>
-            </a:r>
-            <a:endParaRPr lang="zh-CN" altLang="en-US"/>
-          </a:p>
-        </p:txBody>
-      </p:sp>
-      <p:sp>
-        <p:nvSpPr>
-          <p:cNvPr id="19" name="稻壳儿原创设计师【幻雨工作室】_12"/>
-          <p:cNvSpPr/>
-          <p:nvPr>
-            <p:custDataLst>
-              <p:tags r:id="rId4"/>
-            </p:custDataLst>
-          </p:nvPr>
-        </p:nvSpPr>
-        <p:spPr>
-          <a:xfrm>
-            <a:off x="977265" y="2830830"/>
+            <a:off x="1252855" y="1430020"/>
             <a:ext cx="1607820" cy="460375"/>
           </a:xfrm>
           <a:prstGeom prst="rect">
@@ -3249,7 +3614,7 @@
         </p:nvSpPr>
         <p:spPr>
           <a:xfrm>
-            <a:off x="6276340" y="3395345"/>
+            <a:off x="6224905" y="2286000"/>
             <a:ext cx="5532755" cy="1198880"/>
           </a:xfrm>
           <a:prstGeom prst="rect">
@@ -3278,19 +3643,19 @@
           </p:cNvPicPr>
           <p:nvPr>
             <p:custDataLst>
-              <p:tags r:id="rId5"/>
+              <p:tags r:id="rId2"/>
             </p:custDataLst>
           </p:nvPr>
         </p:nvPicPr>
         <p:blipFill>
-          <a:blip r:embed="rId6"/>
+          <a:blip r:embed="rId3"/>
           <a:stretch>
             <a:fillRect/>
           </a:stretch>
         </p:blipFill>
         <p:spPr>
           <a:xfrm>
-            <a:off x="401320" y="3250565"/>
+            <a:off x="330200" y="2141220"/>
             <a:ext cx="5765800" cy="1343660"/>
           </a:xfrm>
           <a:prstGeom prst="rect">
@@ -3304,13 +3669,13 @@
           <p:cNvSpPr/>
           <p:nvPr>
             <p:custDataLst>
-              <p:tags r:id="rId7"/>
+              <p:tags r:id="rId4"/>
             </p:custDataLst>
           </p:nvPr>
         </p:nvSpPr>
         <p:spPr>
           <a:xfrm>
-            <a:off x="1170305" y="4594225"/>
+            <a:off x="1170305" y="3964940"/>
             <a:ext cx="1607820" cy="460375"/>
           </a:xfrm>
           <a:prstGeom prst="rect">
@@ -3351,7 +3716,7 @@
         </p:nvSpPr>
         <p:spPr>
           <a:xfrm>
-            <a:off x="5784850" y="5105400"/>
+            <a:off x="5784850" y="4594225"/>
             <a:ext cx="6096000" cy="1476375"/>
           </a:xfrm>
           <a:prstGeom prst="rect">
@@ -3380,12 +3745,12 @@
           </p:cNvPicPr>
           <p:nvPr>
             <p:custDataLst>
-              <p:tags r:id="rId8"/>
+              <p:tags r:id="rId5"/>
             </p:custDataLst>
           </p:nvPr>
         </p:nvPicPr>
         <p:blipFill>
-          <a:blip r:embed="rId9">
+          <a:blip r:embed="rId6">
             <a:extLst>
               <a:ext uri="{28A0092B-C50C-407E-A947-70E740481C1C}">
                 <a14:useLocalDpi xmlns:a14="http://schemas.microsoft.com/office/drawing/2010/main" val="0"/>
@@ -3399,7 +3764,7 @@
         </p:blipFill>
         <p:spPr bwMode="auto">
           <a:xfrm>
-            <a:off x="647065" y="5036185"/>
+            <a:off x="566420" y="4662805"/>
             <a:ext cx="5083810" cy="1715135"/>
           </a:xfrm>
           <a:prstGeom prst="rect">
@@ -3419,7 +3784,7 @@
 </p:sld>
 </file>
 
-<file path=ppt/slides/slide14.xml><?xml version="1.0" encoding="utf-8"?>
+<file path=ppt/slides/slide16.xml><?xml version="1.0" encoding="utf-8"?>
 <p:sld xmlns:a="http://schemas.openxmlformats.org/drawingml/2006/main" xmlns:r="http://schemas.openxmlformats.org/officeDocument/2006/relationships" xmlns:p="http://schemas.openxmlformats.org/presentationml/2006/main">
   <p:cSld>
     <p:spTree>
@@ -3699,7 +4064,7 @@
 </p:sld>
 </file>
 
-<file path=ppt/slides/slide15.xml><?xml version="1.0" encoding="utf-8"?>
+<file path=ppt/slides/slide17.xml><?xml version="1.0" encoding="utf-8"?>
 <p:sld xmlns:a="http://schemas.openxmlformats.org/drawingml/2006/main" xmlns:r="http://schemas.openxmlformats.org/officeDocument/2006/relationships" xmlns:p="http://schemas.openxmlformats.org/presentationml/2006/main">
   <p:cSld>
     <p:spTree>
@@ -3967,7 +4332,7 @@
 </p:sld>
 </file>
 
-<file path=ppt/slides/slide16.xml><?xml version="1.0" encoding="utf-8"?>
+<file path=ppt/slides/slide18.xml><?xml version="1.0" encoding="utf-8"?>
 <p:sld xmlns:a="http://schemas.openxmlformats.org/drawingml/2006/main" xmlns:r="http://schemas.openxmlformats.org/officeDocument/2006/relationships" xmlns:p="http://schemas.openxmlformats.org/presentationml/2006/main">
   <p:cSld>
     <p:spTree>
@@ -10740,8 +11105,8 @@
         </p:nvSpPr>
         <p:spPr>
           <a:xfrm>
-            <a:off x="9688195" y="1165225"/>
-            <a:ext cx="2400935" cy="6510655"/>
+            <a:off x="3139440" y="2291080"/>
+            <a:ext cx="6310630" cy="5318760"/>
           </a:xfrm>
           <a:prstGeom prst="rect">
             <a:avLst/>
@@ -10764,62 +11129,16 @@
                 <a:ea typeface="宋体" panose="02010600030101010101" pitchFamily="2" charset="-122"/>
                 <a:cs typeface="Arial" panose="020B0604020202020204" pitchFamily="34" charset="0"/>
               </a:rPr>
-              <a:t>每一个具体子类实现了 FeatureDetector 基类中定义的抽象方法，即 detect 方法和 detectImpl 方法。以提供特定的特征检测算法。这些具体策略角色包装了相关的算法或行为，实现了特定的特征检测操作。</a:t>
-            </a:r>
-            <a:r>
-              <a:rPr lang="zh-CN" altLang="en-US" sz="2000" dirty="0">
-                <a:solidFill>
-                  <a:schemeClr val="tx1">
-                    <a:lumMod val="75000"/>
-                    <a:lumOff val="25000"/>
-                  </a:schemeClr>
-                </a:solidFill>
-                <a:latin typeface="Arial" panose="020B0604020202020204" pitchFamily="34" charset="0"/>
-                <a:cs typeface="Arial" panose="020B0604020202020204" pitchFamily="34" charset="0"/>
-              </a:rPr>
-              <a:t> </a:t>
-            </a:r>
-            <a:endParaRPr lang="zh-CN" altLang="en-US" sz="2000" dirty="0">
-              <a:solidFill>
-                <a:schemeClr val="tx1">
-                  <a:lumMod val="75000"/>
-                  <a:lumOff val="25000"/>
-                </a:schemeClr>
-              </a:solidFill>
+              <a:t>策略模式是指将每一个算法封装到具有共同接口的独立的类中，从而使得它们可以相互替换。策略模式使得算法可以在不影响到客户端的情况下发生变化。该模式的设计原则是找出应用可能需要变化之处，把它们独立出来，不要和那些不需要变化的代码混在一起，即多用组合，少用继承。</a:t>
+            </a:r>
+            <a:endParaRPr dirty="0">
               <a:latin typeface="Arial" panose="020B0604020202020204" pitchFamily="34" charset="0"/>
+              <a:ea typeface="宋体" panose="02010600030101010101" pitchFamily="2" charset="-122"/>
               <a:cs typeface="Arial" panose="020B0604020202020204" pitchFamily="34" charset="0"/>
             </a:endParaRPr>
           </a:p>
         </p:txBody>
       </p:sp>
-      <p:pic>
-        <p:nvPicPr>
-          <p:cNvPr id="4" name="图片 3"/>
-          <p:cNvPicPr>
-            <a:picLocks noChangeAspect="1"/>
-          </p:cNvPicPr>
-          <p:nvPr>
-            <p:custDataLst>
-              <p:tags r:id="rId1"/>
-            </p:custDataLst>
-          </p:nvPr>
-        </p:nvPicPr>
-        <p:blipFill>
-          <a:blip r:embed="rId2"/>
-          <a:stretch>
-            <a:fillRect/>
-          </a:stretch>
-        </p:blipFill>
-        <p:spPr>
-          <a:xfrm>
-            <a:off x="880110" y="1572895"/>
-            <a:ext cx="8808085" cy="4064000"/>
-          </a:xfrm>
-          <a:prstGeom prst="rect">
-            <a:avLst/>
-          </a:prstGeom>
-        </p:spPr>
-      </p:pic>
     </p:spTree>
   </p:cSld>
   <p:clrMapOvr>
@@ -10843,7 +11162,6 @@
 <file path=ppt/tags/tag11.xml><?xml version="1.0" encoding="utf-8"?>
 <p:tagLst xmlns:p="http://schemas.openxmlformats.org/presentationml/2006/main">
   <p:tag name="KSO_WM_BEAUTIFY_FLAG" val=""/>
-  <p:tag name="KSO_WM_UNIT_PLACING_PICTURE_USER_VIEWPORT" val="{&quot;height&quot;:2902,&quot;width&quot;:9371}"/>
 </p:tagLst>
 </file>
 
@@ -10868,6 +11186,7 @@
 <file path=ppt/tags/tag15.xml><?xml version="1.0" encoding="utf-8"?>
 <p:tagLst xmlns:p="http://schemas.openxmlformats.org/presentationml/2006/main">
   <p:tag name="KSO_WM_BEAUTIFY_FLAG" val=""/>
+  <p:tag name="KSO_WM_UNIT_PLACING_PICTURE_USER_VIEWPORT" val="{&quot;height&quot;:2902,&quot;width&quot;:9371}"/>
 </p:tagLst>
 </file>
 
@@ -10909,6 +11228,18 @@
 
 <file path=ppt/tags/tag21.xml><?xml version="1.0" encoding="utf-8"?>
 <p:tagLst xmlns:p="http://schemas.openxmlformats.org/presentationml/2006/main">
+  <p:tag name="KSO_WM_BEAUTIFY_FLAG" val=""/>
+</p:tagLst>
+</file>
+
+<file path=ppt/tags/tag22.xml><?xml version="1.0" encoding="utf-8"?>
+<p:tagLst xmlns:p="http://schemas.openxmlformats.org/presentationml/2006/main">
+  <p:tag name="KSO_WM_BEAUTIFY_FLAG" val=""/>
+</p:tagLst>
+</file>
+
+<file path=ppt/tags/tag23.xml><?xml version="1.0" encoding="utf-8"?>
+<p:tagLst xmlns:p="http://schemas.openxmlformats.org/presentationml/2006/main">
   <p:tag name="KSO_WPP_MARK_KEY" val="e590d23f-e0e7-4113-a92f-e1ed243c22b0"/>
   <p:tag name="COMMONDATA" val="eyJoZGlkIjoiMjkzODA0ZGU1ZjI3NmViMTIyNjVjMTVhMTI2MjhhMjAifQ=="/>
 </p:tagLst>
@@ -10928,13 +11259,14 @@
 
 <file path=ppt/tags/tag5.xml><?xml version="1.0" encoding="utf-8"?>
 <p:tagLst xmlns:p="http://schemas.openxmlformats.org/presentationml/2006/main">
-  <p:tag name="KSO_WM_BEAUTIFY_FLAG" val=""/>
+  <p:tag name="KSO_WM_UNIT_PLACING_PICTURE_USER_VIEWPORT" val="{&quot;height&quot;:10379,&quot;width&quot;:3218}"/>
 </p:tagLst>
 </file>
 
 <file path=ppt/tags/tag6.xml><?xml version="1.0" encoding="utf-8"?>
 <p:tagLst xmlns:p="http://schemas.openxmlformats.org/presentationml/2006/main">
   <p:tag name="KSO_WM_BEAUTIFY_FLAG" val=""/>
+  <p:tag name="KSO_WM_UNIT_PLACING_PICTURE_USER_VIEWPORT" val="{&quot;height&quot;:6400,&quot;width&quot;:13871}"/>
 </p:tagLst>
 </file>
 
@@ -10947,6 +11279,7 @@
 <file path=ppt/tags/tag8.xml><?xml version="1.0" encoding="utf-8"?>
 <p:tagLst xmlns:p="http://schemas.openxmlformats.org/presentationml/2006/main">
   <p:tag name="KSO_WM_BEAUTIFY_FLAG" val=""/>
+  <p:tag name="KSO_WM_UNIT_PLACING_PICTURE_USER_VIEWPORT" val="{&quot;height&quot;:563,&quot;width&quot;:14550}"/>
 </p:tagLst>
 </file>
 
